--- a/doc/Presentation.pptx
+++ b/doc/Presentation.pptx
@@ -13,6 +13,7 @@
     <p:sldId id="262" r:id="rId7"/>
     <p:sldId id="261" r:id="rId8"/>
     <p:sldId id="263" r:id="rId9"/>
+    <p:sldId id="264" r:id="rId10"/>
   </p:sldIdLst>
   <p:sldSz cx="9144000" cy="6858000" type="screen4x3"/>
   <p:notesSz cx="6858000" cy="9144000"/>
@@ -5492,13 +5493,13 @@
         </p:nvSpPr>
         <p:spPr>
           <a:xfrm>
-            <a:off x="739775" y="3017927"/>
-            <a:ext cx="7662864" cy="3267169"/>
+            <a:off x="739775" y="2447351"/>
+            <a:ext cx="7662864" cy="3837746"/>
           </a:xfrm>
         </p:spPr>
         <p:txBody>
           <a:bodyPr>
-            <a:normAutofit/>
+            <a:normAutofit fontScale="92500" lnSpcReduction="20000"/>
           </a:bodyPr>
           <a:lstStyle/>
           <a:p>
@@ -5519,6 +5520,136 @@
               <a:t>tournaments</a:t>
             </a:r>
             <a:endParaRPr lang="fr-FR" dirty="0" smtClean="0"/>
+          </a:p>
+          <a:p>
+            <a:r>
+              <a:rPr lang="fr-FR" dirty="0" err="1" smtClean="0"/>
+              <a:t>Create</a:t>
+            </a:r>
+            <a:r>
+              <a:rPr lang="fr-FR" dirty="0" smtClean="0"/>
+              <a:t> and manage an </a:t>
+            </a:r>
+            <a:r>
+              <a:rPr lang="fr-FR" dirty="0" err="1" smtClean="0"/>
+              <a:t>event</a:t>
+            </a:r>
+            <a:endParaRPr lang="fr-FR" dirty="0" smtClean="0"/>
+          </a:p>
+          <a:p>
+            <a:r>
+              <a:rPr lang="fr-FR" dirty="0" err="1" smtClean="0"/>
+              <a:t>Create</a:t>
+            </a:r>
+            <a:r>
+              <a:rPr lang="fr-FR" dirty="0" smtClean="0"/>
+              <a:t> a </a:t>
+            </a:r>
+            <a:r>
+              <a:rPr lang="fr-FR" dirty="0" err="1" smtClean="0"/>
+              <a:t>Doodle</a:t>
+            </a:r>
+            <a:r>
+              <a:rPr lang="fr-FR" dirty="0" smtClean="0"/>
+              <a:t> </a:t>
+            </a:r>
+            <a:r>
+              <a:rPr lang="fr-FR" dirty="0" err="1" smtClean="0"/>
+              <a:t>like</a:t>
+            </a:r>
+            <a:r>
+              <a:rPr lang="fr-FR" dirty="0" smtClean="0"/>
+              <a:t> </a:t>
+            </a:r>
+            <a:r>
+              <a:rPr lang="fr-FR" dirty="0" err="1" smtClean="0"/>
+              <a:t>tool</a:t>
+            </a:r>
+            <a:r>
+              <a:rPr lang="fr-FR" dirty="0" smtClean="0"/>
+              <a:t> for </a:t>
+            </a:r>
+            <a:r>
+              <a:rPr lang="fr-FR" dirty="0" err="1" smtClean="0"/>
+              <a:t>finding</a:t>
+            </a:r>
+            <a:r>
+              <a:rPr lang="fr-FR" dirty="0" smtClean="0"/>
+              <a:t> </a:t>
+            </a:r>
+            <a:r>
+              <a:rPr lang="fr-FR" dirty="0" err="1" smtClean="0"/>
+              <a:t>common</a:t>
+            </a:r>
+            <a:r>
+              <a:rPr lang="fr-FR" dirty="0" smtClean="0"/>
+              <a:t> dates</a:t>
+            </a:r>
+          </a:p>
+          <a:p>
+            <a:r>
+              <a:rPr lang="fr-FR" dirty="0" err="1" smtClean="0"/>
+              <a:t>Give</a:t>
+            </a:r>
+            <a:r>
+              <a:rPr lang="fr-FR" dirty="0" smtClean="0"/>
+              <a:t> </a:t>
+            </a:r>
+            <a:r>
+              <a:rPr lang="fr-FR" dirty="0" err="1" smtClean="0"/>
+              <a:t>some</a:t>
+            </a:r>
+            <a:r>
+              <a:rPr lang="fr-FR" dirty="0" smtClean="0"/>
+              <a:t> points for </a:t>
+            </a:r>
+            <a:r>
+              <a:rPr lang="fr-FR" dirty="0" err="1" smtClean="0"/>
+              <a:t>participating</a:t>
+            </a:r>
+            <a:r>
+              <a:rPr lang="fr-FR" dirty="0" smtClean="0"/>
+              <a:t> and </a:t>
+            </a:r>
+            <a:r>
+              <a:rPr lang="fr-FR" dirty="0" err="1" smtClean="0"/>
+              <a:t>winning</a:t>
+            </a:r>
+            <a:endParaRPr lang="fr-FR" dirty="0" smtClean="0"/>
+          </a:p>
+          <a:p>
+            <a:r>
+              <a:rPr lang="fr-FR" dirty="0" err="1" smtClean="0"/>
+              <a:t>Finding</a:t>
+            </a:r>
+            <a:r>
+              <a:rPr lang="fr-FR" dirty="0" smtClean="0"/>
+              <a:t> </a:t>
+            </a:r>
+            <a:r>
+              <a:rPr lang="fr-FR" dirty="0" err="1" smtClean="0"/>
+              <a:t>events</a:t>
+            </a:r>
+            <a:r>
+              <a:rPr lang="fr-FR" dirty="0" smtClean="0"/>
+              <a:t> </a:t>
+            </a:r>
+            <a:r>
+              <a:rPr lang="fr-FR" dirty="0" err="1" smtClean="0"/>
+              <a:t>next</a:t>
+            </a:r>
+            <a:r>
+              <a:rPr lang="fr-FR" dirty="0" smtClean="0"/>
+              <a:t> to </a:t>
+            </a:r>
+            <a:r>
+              <a:rPr lang="fr-FR" dirty="0" err="1" smtClean="0"/>
+              <a:t>your</a:t>
+            </a:r>
+            <a:r>
+              <a:rPr lang="fr-FR" dirty="0" smtClean="0"/>
+              <a:t> place</a:t>
+            </a:r>
           </a:p>
           <a:p>
             <a:r>
@@ -6091,8 +6222,12 @@
           <a:lstStyle/>
           <a:p>
             <a:r>
-              <a:rPr lang="fr-FR" dirty="0" smtClean="0"/>
-              <a:t>TODO</a:t>
+              <a:rPr lang="fr-FR" dirty="0" err="1" smtClean="0"/>
+              <a:t>Improvement</a:t>
+            </a:r>
+            <a:r>
+              <a:rPr lang="fr-FR" dirty="0" err="1"/>
+              <a:t>s</a:t>
             </a:r>
             <a:endParaRPr lang="fr-FR" dirty="0"/>
           </a:p>
@@ -6121,6 +6256,99 @@
     <p:extLst>
       <p:ext uri="{BB962C8B-B14F-4D97-AF65-F5344CB8AC3E}">
         <p14:creationId xmlns:p14="http://schemas.microsoft.com/office/powerpoint/2010/main" val="2606654352"/>
+      </p:ext>
+    </p:extLst>
+  </p:cSld>
+  <p:clrMapOvr>
+    <a:masterClrMapping/>
+  </p:clrMapOvr>
+</p:sld>
+</file>
+
+<file path=ppt/slides/slide9.xml><?xml version="1.0" encoding="utf-8"?>
+<p:sld xmlns:a="http://schemas.openxmlformats.org/drawingml/2006/main" xmlns:r="http://schemas.openxmlformats.org/officeDocument/2006/relationships" xmlns:p="http://schemas.openxmlformats.org/presentationml/2006/main">
+  <p:cSld>
+    <p:spTree>
+      <p:nvGrpSpPr>
+        <p:cNvPr id="1" name=""/>
+        <p:cNvGrpSpPr/>
+        <p:nvPr/>
+      </p:nvGrpSpPr>
+      <p:grpSpPr>
+        <a:xfrm>
+          <a:off x="0" y="0"/>
+          <a:ext cx="0" cy="0"/>
+          <a:chOff x="0" y="0"/>
+          <a:chExt cx="0" cy="0"/>
+        </a:xfrm>
+      </p:grpSpPr>
+      <p:sp>
+        <p:nvSpPr>
+          <p:cNvPr id="2" name="Titre 1"/>
+          <p:cNvSpPr>
+            <a:spLocks noGrp="1"/>
+          </p:cNvSpPr>
+          <p:nvPr>
+            <p:ph type="title"/>
+          </p:nvPr>
+        </p:nvSpPr>
+        <p:spPr/>
+        <p:txBody>
+          <a:bodyPr/>
+          <a:lstStyle/>
+          <a:p>
+            <a:r>
+              <a:rPr lang="fr-FR" dirty="0" smtClean="0"/>
+              <a:t>Questions ?</a:t>
+            </a:r>
+            <a:endParaRPr lang="fr-FR" dirty="0"/>
+          </a:p>
+        </p:txBody>
+      </p:sp>
+      <p:sp>
+        <p:nvSpPr>
+          <p:cNvPr id="3" name="Espace réservé du contenu 2"/>
+          <p:cNvSpPr>
+            <a:spLocks noGrp="1"/>
+          </p:cNvSpPr>
+          <p:nvPr>
+            <p:ph idx="1"/>
+          </p:nvPr>
+        </p:nvSpPr>
+        <p:spPr>
+          <a:xfrm>
+            <a:off x="1796661" y="3588295"/>
+            <a:ext cx="6605977" cy="3267169"/>
+          </a:xfrm>
+        </p:spPr>
+        <p:txBody>
+          <a:bodyPr/>
+          <a:lstStyle/>
+          <a:p>
+            <a:r>
+              <a:rPr lang="fr-FR" dirty="0" err="1" smtClean="0"/>
+              <a:t>Thanks</a:t>
+            </a:r>
+            <a:r>
+              <a:rPr lang="fr-FR" dirty="0" smtClean="0"/>
+              <a:t> for </a:t>
+            </a:r>
+            <a:r>
+              <a:rPr lang="fr-FR" dirty="0" err="1" smtClean="0"/>
+              <a:t>your</a:t>
+            </a:r>
+            <a:r>
+              <a:rPr lang="fr-FR" dirty="0" smtClean="0"/>
+              <a:t> attention !</a:t>
+            </a:r>
+            <a:endParaRPr lang="fr-FR" dirty="0"/>
+          </a:p>
+        </p:txBody>
+      </p:sp>
+    </p:spTree>
+    <p:extLst>
+      <p:ext uri="{BB962C8B-B14F-4D97-AF65-F5344CB8AC3E}">
+        <p14:creationId xmlns:p14="http://schemas.microsoft.com/office/powerpoint/2010/main" val="4144245720"/>
       </p:ext>
     </p:extLst>
   </p:cSld>

--- a/doc/Presentation.pptx
+++ b/doc/Presentation.pptx
@@ -5361,12 +5361,14 @@
         </p:nvSpPr>
         <p:spPr>
           <a:xfrm>
-            <a:off x="739775" y="3033417"/>
-            <a:ext cx="7662864" cy="3267169"/>
+            <a:off x="739775" y="2615200"/>
+            <a:ext cx="7662864" cy="3642580"/>
           </a:xfrm>
         </p:spPr>
         <p:txBody>
-          <a:bodyPr/>
+          <a:bodyPr>
+            <a:normAutofit fontScale="92500" lnSpcReduction="10000"/>
+          </a:bodyPr>
           <a:lstStyle/>
           <a:p>
             <a:r>
@@ -5413,6 +5415,27 @@
               </a:rPr>
               <a:t></a:t>
             </a:r>
+          </a:p>
+          <a:p>
+            <a:r>
+              <a:rPr lang="fr-FR" dirty="0" err="1" smtClean="0">
+                <a:sym typeface="Wingdings"/>
+              </a:rPr>
+              <a:t>Improvements</a:t>
+            </a:r>
+            <a:endParaRPr lang="fr-FR" dirty="0" smtClean="0">
+              <a:sym typeface="Wingdings"/>
+            </a:endParaRPr>
+          </a:p>
+          <a:p>
+            <a:r>
+              <a:rPr lang="fr-FR" dirty="0" smtClean="0">
+                <a:sym typeface="Wingdings"/>
+              </a:rPr>
+              <a:t>Questions ?</a:t>
+            </a:r>
+          </a:p>
+          <a:p>
             <a:endParaRPr lang="fr-FR" dirty="0"/>
           </a:p>
         </p:txBody>
@@ -5461,10 +5484,15 @@
             <a:spLocks noGrp="1"/>
           </p:cNvSpPr>
           <p:nvPr>
-            <p:ph type="title"/>
-          </p:nvPr>
-        </p:nvSpPr>
-        <p:spPr/>
+            <p:ph type="title" idx="4294967295"/>
+          </p:nvPr>
+        </p:nvSpPr>
+        <p:spPr>
+          <a:xfrm>
+            <a:off x="480142" y="-178439"/>
+            <a:ext cx="8229600" cy="1143000"/>
+          </a:xfrm>
+        </p:spPr>
         <p:txBody>
           <a:bodyPr/>
           <a:lstStyle/>
@@ -5488,18 +5516,18 @@
             <a:spLocks noGrp="1"/>
           </p:cNvSpPr>
           <p:nvPr>
-            <p:ph idx="1"/>
+            <p:ph sz="half" idx="4294967295"/>
           </p:nvPr>
         </p:nvSpPr>
         <p:spPr>
           <a:xfrm>
-            <a:off x="739775" y="2447351"/>
-            <a:ext cx="7662864" cy="3837746"/>
+            <a:off x="247814" y="1610915"/>
+            <a:ext cx="6396736" cy="4440636"/>
           </a:xfrm>
         </p:spPr>
         <p:txBody>
           <a:bodyPr>
-            <a:normAutofit fontScale="92500" lnSpcReduction="20000"/>
+            <a:normAutofit fontScale="92500" lnSpcReduction="10000"/>
           </a:bodyPr>
           <a:lstStyle/>
           <a:p>
@@ -5758,6 +5786,55 @@
             <a:endParaRPr lang="fr-FR" dirty="0" smtClean="0"/>
           </a:p>
           <a:p>
+            <a:endParaRPr lang="fr-FR" dirty="0"/>
+          </a:p>
+        </p:txBody>
+      </p:sp>
+      <p:sp>
+        <p:nvSpPr>
+          <p:cNvPr id="7" name="ZoneTexte 6"/>
+          <p:cNvSpPr txBox="1"/>
+          <p:nvPr/>
+        </p:nvSpPr>
+        <p:spPr>
+          <a:xfrm>
+            <a:off x="6387054" y="1099758"/>
+            <a:ext cx="2617550" cy="646331"/>
+          </a:xfrm>
+          <a:prstGeom prst="rect">
+            <a:avLst/>
+          </a:prstGeom>
+          <a:noFill/>
+        </p:spPr>
+        <p:txBody>
+          <a:bodyPr wrap="square" rtlCol="0">
+            <a:spAutoFit/>
+          </a:bodyPr>
+          <a:lstStyle/>
+          <a:p>
+            <a:r>
+              <a:rPr lang="fr-FR" dirty="0" smtClean="0"/>
+              <a:t>First				</a:t>
+            </a:r>
+            <a:r>
+              <a:rPr lang="fr-FR" dirty="0" err="1" smtClean="0"/>
+              <a:t>Now</a:t>
+            </a:r>
+            <a:r>
+              <a:rPr lang="fr-FR" dirty="0" smtClean="0"/>
+              <a:t/>
+            </a:r>
+            <a:br>
+              <a:rPr lang="fr-FR" dirty="0" smtClean="0"/>
+            </a:br>
+            <a:r>
+              <a:rPr lang="fr-FR" dirty="0" err="1" smtClean="0"/>
+              <a:t>presentation</a:t>
+            </a:r>
+            <a:r>
+              <a:rPr lang="fr-FR" dirty="0" smtClean="0"/>
+              <a:t>	</a:t>
+            </a:r>
             <a:endParaRPr lang="fr-FR" dirty="0"/>
           </a:p>
         </p:txBody>
@@ -5971,10 +6048,15 @@
             <a:spLocks noGrp="1"/>
           </p:cNvSpPr>
           <p:nvPr>
-            <p:ph type="title"/>
-          </p:nvPr>
-        </p:nvSpPr>
-        <p:spPr/>
+            <p:ph type="title" idx="4294967295"/>
+          </p:nvPr>
+        </p:nvSpPr>
+        <p:spPr>
+          <a:xfrm>
+            <a:off x="480143" y="-15490"/>
+            <a:ext cx="8229600" cy="1143000"/>
+          </a:xfrm>
+        </p:spPr>
         <p:txBody>
           <a:bodyPr/>
           <a:lstStyle/>
@@ -5993,7 +6075,7 @@
       </p:sp>
       <p:pic>
         <p:nvPicPr>
-          <p:cNvPr id="4" name="Image 3"/>
+          <p:cNvPr id="8" name="Image 7"/>
           <p:cNvPicPr>
             <a:picLocks noChangeAspect="1"/>
           </p:cNvPicPr>
@@ -6007,8 +6089,8 @@
         </p:blipFill>
         <p:spPr>
           <a:xfrm>
-            <a:off x="1319585" y="1914958"/>
-            <a:ext cx="6471111" cy="4634569"/>
+            <a:off x="944795" y="965644"/>
+            <a:ext cx="6975339" cy="5892356"/>
           </a:xfrm>
           <a:prstGeom prst="rect">
             <a:avLst/>
@@ -6152,27 +6234,48 @@
         </p:nvSpPr>
         <p:spPr>
           <a:xfrm>
-            <a:off x="739775" y="3794941"/>
-            <a:ext cx="7662864" cy="2242322"/>
+            <a:off x="348780" y="3159868"/>
+            <a:ext cx="8526107" cy="2242322"/>
           </a:xfrm>
         </p:spPr>
         <p:txBody>
-          <a:bodyPr/>
-          <a:lstStyle/>
-          <a:p>
+          <a:bodyPr>
+            <a:normAutofit/>
+          </a:bodyPr>
+          <a:lstStyle/>
+          <a:p>
+            <a:pPr algn="ctr"/>
+            <a:r>
+              <a:rPr lang="fr-FR" dirty="0" smtClean="0"/>
+              <a:t>Interactive if </a:t>
+            </a:r>
             <a:r>
               <a:rPr lang="fr-FR" dirty="0" err="1" smtClean="0"/>
-              <a:t>Please</a:t>
+              <a:t>you</a:t>
             </a:r>
             <a:r>
               <a:rPr lang="fr-FR" dirty="0" smtClean="0"/>
-              <a:t> go to http://</a:t>
-            </a:r>
-            <a:r>
-              <a:rPr lang="fr-FR" dirty="0" err="1" smtClean="0"/>
+              <a:t> go to </a:t>
+            </a:r>
+            <a:br>
+              <a:rPr lang="fr-FR" dirty="0" smtClean="0"/>
+            </a:br>
+            <a:r>
+              <a:rPr lang="fr-FR" sz="4000" dirty="0" smtClean="0"/>
+              <a:t/>
+            </a:r>
+            <a:br>
+              <a:rPr lang="fr-FR" sz="4000" dirty="0" smtClean="0"/>
+            </a:br>
+            <a:r>
+              <a:rPr lang="fr-FR" sz="4000" dirty="0" smtClean="0"/>
+              <a:t>http://</a:t>
+            </a:r>
+            <a:r>
+              <a:rPr lang="fr-FR" sz="4000" dirty="0" err="1" smtClean="0"/>
               <a:t>cybercoach.herokuapp.com</a:t>
             </a:r>
-            <a:endParaRPr lang="fr-FR" dirty="0"/>
+            <a:endParaRPr lang="fr-FR" sz="4000" dirty="0"/>
           </a:p>
         </p:txBody>
       </p:sp>

--- a/doc/Presentation.pptx
+++ b/doc/Presentation.pptx
@@ -311,7 +311,7 @@
           <a:p>
             <a:fld id="{B01D02A5-0DDB-7C43-A685-9D2EB4D1B1FE}" type="datetimeFigureOut">
               <a:rPr lang="fr-FR" smtClean="0"/>
-              <a:t>16.12.12</a:t>
+              <a:t>19.12.12</a:t>
             </a:fld>
             <a:endParaRPr lang="fr-FR"/>
           </a:p>
@@ -440,7 +440,7 @@
           <a:p>
             <a:fld id="{B01D02A5-0DDB-7C43-A685-9D2EB4D1B1FE}" type="datetimeFigureOut">
               <a:rPr lang="fr-FR" smtClean="0"/>
-              <a:t>16.12.12</a:t>
+              <a:t>19.12.12</a:t>
             </a:fld>
             <a:endParaRPr lang="fr-FR"/>
           </a:p>
@@ -745,7 +745,7 @@
           <a:p>
             <a:fld id="{B01D02A5-0DDB-7C43-A685-9D2EB4D1B1FE}" type="datetimeFigureOut">
               <a:rPr lang="fr-FR" smtClean="0"/>
-              <a:t>16.12.12</a:t>
+              <a:t>19.12.12</a:t>
             </a:fld>
             <a:endParaRPr lang="fr-FR"/>
           </a:p>
@@ -970,7 +970,7 @@
           <a:p>
             <a:fld id="{B01D02A5-0DDB-7C43-A685-9D2EB4D1B1FE}" type="datetimeFigureOut">
               <a:rPr lang="fr-FR" smtClean="0"/>
-              <a:t>16.12.12</a:t>
+              <a:t>19.12.12</a:t>
             </a:fld>
             <a:endParaRPr lang="fr-FR"/>
           </a:p>
@@ -1240,7 +1240,7 @@
           <a:p>
             <a:fld id="{B01D02A5-0DDB-7C43-A685-9D2EB4D1B1FE}" type="datetimeFigureOut">
               <a:rPr lang="fr-FR" smtClean="0"/>
-              <a:t>16.12.12</a:t>
+              <a:t>19.12.12</a:t>
             </a:fld>
             <a:endParaRPr lang="fr-FR"/>
           </a:p>
@@ -1565,7 +1565,7 @@
           <a:p>
             <a:fld id="{B01D02A5-0DDB-7C43-A685-9D2EB4D1B1FE}" type="datetimeFigureOut">
               <a:rPr lang="fr-FR" smtClean="0"/>
-              <a:t>16.12.12</a:t>
+              <a:t>19.12.12</a:t>
             </a:fld>
             <a:endParaRPr lang="fr-FR"/>
           </a:p>
@@ -1758,7 +1758,7 @@
           <a:p>
             <a:fld id="{B01D02A5-0DDB-7C43-A685-9D2EB4D1B1FE}" type="datetimeFigureOut">
               <a:rPr lang="fr-FR" smtClean="0"/>
-              <a:t>16.12.12</a:t>
+              <a:t>19.12.12</a:t>
             </a:fld>
             <a:endParaRPr lang="fr-FR"/>
           </a:p>
@@ -1862,7 +1862,7 @@
           <a:p>
             <a:fld id="{B01D02A5-0DDB-7C43-A685-9D2EB4D1B1FE}" type="datetimeFigureOut">
               <a:rPr lang="fr-FR" smtClean="0"/>
-              <a:t>16.12.12</a:t>
+              <a:t>19.12.12</a:t>
             </a:fld>
             <a:endParaRPr lang="fr-FR"/>
           </a:p>
@@ -2031,7 +2031,7 @@
           <a:p>
             <a:fld id="{B01D02A5-0DDB-7C43-A685-9D2EB4D1B1FE}" type="datetimeFigureOut">
               <a:rPr lang="fr-FR" smtClean="0"/>
-              <a:t>16.12.12</a:t>
+              <a:t>19.12.12</a:t>
             </a:fld>
             <a:endParaRPr lang="fr-FR"/>
           </a:p>
@@ -2295,7 +2295,7 @@
           <a:p>
             <a:fld id="{B01D02A5-0DDB-7C43-A685-9D2EB4D1B1FE}" type="datetimeFigureOut">
               <a:rPr lang="fr-FR" smtClean="0"/>
-              <a:t>16.12.12</a:t>
+              <a:t>19.12.12</a:t>
             </a:fld>
             <a:endParaRPr lang="fr-FR"/>
           </a:p>
@@ -2629,7 +2629,7 @@
           <a:p>
             <a:fld id="{B01D02A5-0DDB-7C43-A685-9D2EB4D1B1FE}" type="datetimeFigureOut">
               <a:rPr lang="fr-FR" smtClean="0"/>
-              <a:t>16.12.12</a:t>
+              <a:t>19.12.12</a:t>
             </a:fld>
             <a:endParaRPr lang="fr-FR"/>
           </a:p>
@@ -3070,7 +3070,7 @@
           <a:p>
             <a:fld id="{B01D02A5-0DDB-7C43-A685-9D2EB4D1B1FE}" type="datetimeFigureOut">
               <a:rPr lang="fr-FR" smtClean="0"/>
-              <a:t>16.12.12</a:t>
+              <a:t>19.12.12</a:t>
             </a:fld>
             <a:endParaRPr lang="fr-FR"/>
           </a:p>
@@ -3268,7 +3268,7 @@
           <a:p>
             <a:fld id="{B01D02A5-0DDB-7C43-A685-9D2EB4D1B1FE}" type="datetimeFigureOut">
               <a:rPr lang="fr-FR" smtClean="0"/>
-              <a:t>16.12.12</a:t>
+              <a:t>19.12.12</a:t>
             </a:fld>
             <a:endParaRPr lang="fr-FR"/>
           </a:p>
@@ -3551,7 +3551,7 @@
           <a:p>
             <a:fld id="{B01D02A5-0DDB-7C43-A685-9D2EB4D1B1FE}" type="datetimeFigureOut">
               <a:rPr lang="fr-FR" smtClean="0"/>
-              <a:t>16.12.12</a:t>
+              <a:t>19.12.12</a:t>
             </a:fld>
             <a:endParaRPr lang="fr-FR"/>
           </a:p>
@@ -3919,7 +3919,7 @@
           <a:p>
             <a:fld id="{B01D02A5-0DDB-7C43-A685-9D2EB4D1B1FE}" type="datetimeFigureOut">
               <a:rPr lang="fr-FR" smtClean="0"/>
-              <a:t>16.12.12</a:t>
+              <a:t>19.12.12</a:t>
             </a:fld>
             <a:endParaRPr lang="fr-FR"/>
           </a:p>
@@ -4415,7 +4415,7 @@
           <a:p>
             <a:fld id="{B01D02A5-0DDB-7C43-A685-9D2EB4D1B1FE}" type="datetimeFigureOut">
               <a:rPr lang="fr-FR" smtClean="0"/>
-              <a:t>16.12.12</a:t>
+              <a:t>19.12.12</a:t>
             </a:fld>
             <a:endParaRPr lang="fr-FR"/>
           </a:p>
@@ -4624,7 +4624,7 @@
           <a:p>
             <a:fld id="{B01D02A5-0DDB-7C43-A685-9D2EB4D1B1FE}" type="datetimeFigureOut">
               <a:rPr lang="fr-FR" smtClean="0"/>
-              <a:t>16.12.12</a:t>
+              <a:t>19.12.12</a:t>
             </a:fld>
             <a:endParaRPr lang="fr-FR"/>
           </a:p>
@@ -5489,7 +5489,7 @@
         </p:nvSpPr>
         <p:spPr>
           <a:xfrm>
-            <a:off x="480142" y="-178439"/>
+            <a:off x="588561" y="-135689"/>
             <a:ext cx="8229600" cy="1143000"/>
           </a:xfrm>
         </p:spPr>
@@ -5521,13 +5521,13 @@
         </p:nvSpPr>
         <p:spPr>
           <a:xfrm>
-            <a:off x="247814" y="1610915"/>
-            <a:ext cx="6396736" cy="4440636"/>
+            <a:off x="0" y="1641893"/>
+            <a:ext cx="7264400" cy="5247857"/>
           </a:xfrm>
         </p:spPr>
         <p:txBody>
           <a:bodyPr>
-            <a:normAutofit fontScale="92500" lnSpcReduction="10000"/>
+            <a:normAutofit/>
           </a:bodyPr>
           <a:lstStyle/>
           <a:p>
@@ -5556,7 +5556,15 @@
             </a:r>
             <a:r>
               <a:rPr lang="fr-FR" dirty="0" smtClean="0"/>
-              <a:t> and manage an </a:t>
+              <a:t> and </a:t>
+            </a:r>
+            <a:r>
+              <a:rPr lang="fr-FR" dirty="0" smtClean="0"/>
+              <a:t>manage </a:t>
+            </a:r>
+            <a:r>
+              <a:rPr lang="fr-FR" dirty="0" smtClean="0"/>
+              <a:t>an </a:t>
             </a:r>
             <a:r>
               <a:rPr lang="fr-FR" dirty="0" err="1" smtClean="0"/>
@@ -5648,7 +5656,7 @@
           <a:p>
             <a:r>
               <a:rPr lang="fr-FR" dirty="0" err="1" smtClean="0"/>
-              <a:t>Finding</a:t>
+              <a:t>Friends</a:t>
             </a:r>
             <a:r>
               <a:rPr lang="fr-FR" dirty="0" smtClean="0"/>
@@ -5656,7 +5664,14 @@
             </a:r>
             <a:r>
               <a:rPr lang="fr-FR" dirty="0" err="1" smtClean="0"/>
-              <a:t>events</a:t>
+              <a:t>lists</a:t>
+            </a:r>
+            <a:endParaRPr lang="fr-FR" dirty="0" smtClean="0"/>
+          </a:p>
+          <a:p>
+            <a:r>
+              <a:rPr lang="fr-FR" dirty="0" err="1" smtClean="0"/>
+              <a:t>Finding</a:t>
             </a:r>
             <a:r>
               <a:rPr lang="fr-FR" dirty="0" smtClean="0"/>
@@ -5664,6 +5679,14 @@
             </a:r>
             <a:r>
               <a:rPr lang="fr-FR" dirty="0" err="1" smtClean="0"/>
+              <a:t>events</a:t>
+            </a:r>
+            <a:r>
+              <a:rPr lang="fr-FR" dirty="0" smtClean="0"/>
+              <a:t> </a:t>
+            </a:r>
+            <a:r>
+              <a:rPr lang="fr-FR" dirty="0" err="1" smtClean="0"/>
               <a:t>next</a:t>
             </a:r>
             <a:r>
@@ -5792,53 +5815,794 @@
       </p:sp>
       <p:sp>
         <p:nvSpPr>
-          <p:cNvPr id="7" name="ZoneTexte 6"/>
-          <p:cNvSpPr txBox="1"/>
-          <p:nvPr/>
+          <p:cNvPr id="5" name="Espace réservé du texte 4"/>
+          <p:cNvSpPr>
+            <a:spLocks noGrp="1"/>
+          </p:cNvSpPr>
+          <p:nvPr>
+            <p:ph type="body" sz="quarter" idx="4294967295"/>
+          </p:nvPr>
         </p:nvSpPr>
         <p:spPr>
           <a:xfrm>
-            <a:off x="6387054" y="1099758"/>
-            <a:ext cx="2617550" cy="646331"/>
+            <a:off x="6613573" y="835919"/>
+            <a:ext cx="1673065" cy="762000"/>
+          </a:xfrm>
+        </p:spPr>
+        <p:txBody>
+          <a:bodyPr>
+            <a:normAutofit lnSpcReduction="10000"/>
+          </a:bodyPr>
+          <a:lstStyle/>
+          <a:p>
+            <a:pPr marL="0" indent="0" algn="ctr">
+              <a:buNone/>
+            </a:pPr>
+            <a:r>
+              <a:rPr lang="fr-FR" dirty="0" smtClean="0">
+                <a:solidFill>
+                  <a:schemeClr val="accent1"/>
+                </a:solidFill>
+              </a:rPr>
+              <a:t>First</a:t>
+            </a:r>
+            <a:br>
+              <a:rPr lang="fr-FR" dirty="0" smtClean="0">
+                <a:solidFill>
+                  <a:schemeClr val="accent1"/>
+                </a:solidFill>
+              </a:rPr>
+            </a:br>
+            <a:r>
+              <a:rPr lang="fr-FR" dirty="0" err="1" smtClean="0">
+                <a:solidFill>
+                  <a:schemeClr val="accent1"/>
+                </a:solidFill>
+              </a:rPr>
+              <a:t>presentation</a:t>
+            </a:r>
+            <a:endParaRPr lang="fr-FR" dirty="0">
+              <a:solidFill>
+                <a:schemeClr val="accent1"/>
+              </a:solidFill>
+            </a:endParaRPr>
+          </a:p>
+        </p:txBody>
+      </p:sp>
+      <p:sp>
+        <p:nvSpPr>
+          <p:cNvPr id="8" name="Espace réservé du texte 4"/>
+          <p:cNvSpPr txBox="1">
+            <a:spLocks/>
+          </p:cNvSpPr>
+          <p:nvPr/>
+        </p:nvSpPr>
+        <p:spPr>
+          <a:xfrm>
+            <a:off x="8382893" y="1022800"/>
+            <a:ext cx="761107" cy="575119"/>
           </a:xfrm>
           <a:prstGeom prst="rect">
             <a:avLst/>
           </a:prstGeom>
-          <a:noFill/>
         </p:spPr>
         <p:txBody>
-          <a:bodyPr wrap="square" rtlCol="0">
-            <a:spAutoFit/>
+          <a:bodyPr vert="horz" lIns="91440" tIns="45720" rIns="91440" bIns="45720" rtlCol="0">
+            <a:normAutofit fontScale="92500"/>
           </a:bodyPr>
-          <a:lstStyle/>
-          <a:p>
-            <a:r>
-              <a:rPr lang="fr-FR" dirty="0" smtClean="0"/>
-              <a:t>First				</a:t>
-            </a:r>
-            <a:r>
-              <a:rPr lang="fr-FR" dirty="0" err="1" smtClean="0"/>
+          <a:lstStyle>
+            <a:lvl1pPr marL="342900" indent="-342900" algn="l" defTabSz="914400" rtl="0" eaLnBrk="1" latinLnBrk="0" hangingPunct="1">
+              <a:spcBef>
+                <a:spcPts val="2000"/>
+              </a:spcBef>
+              <a:buClr>
+                <a:schemeClr val="accent1"/>
+              </a:buClr>
+              <a:buSzPct val="90000"/>
+              <a:buFont typeface="Wingdings" pitchFamily="2" charset="2"/>
+              <a:buChar char="S"/>
+              <a:defRPr sz="2200" kern="1200">
+                <a:solidFill>
+                  <a:schemeClr val="tx1">
+                    <a:lumMod val="65000"/>
+                    <a:lumOff val="35000"/>
+                  </a:schemeClr>
+                </a:solidFill>
+                <a:latin typeface="+mn-lt"/>
+                <a:ea typeface="+mn-ea"/>
+                <a:cs typeface="+mn-cs"/>
+              </a:defRPr>
+            </a:lvl1pPr>
+            <a:lvl2pPr marL="685800" indent="-336550" algn="l" defTabSz="914400" rtl="0" eaLnBrk="1" latinLnBrk="0" hangingPunct="1">
+              <a:spcBef>
+                <a:spcPts val="600"/>
+              </a:spcBef>
+              <a:buClr>
+                <a:schemeClr val="accent1">
+                  <a:lumMod val="60000"/>
+                  <a:lumOff val="40000"/>
+                </a:schemeClr>
+              </a:buClr>
+              <a:buSzPct val="90000"/>
+              <a:buFont typeface="Wingdings" pitchFamily="2" charset="2"/>
+              <a:buChar char="S"/>
+              <a:defRPr sz="2000" kern="1200">
+                <a:solidFill>
+                  <a:schemeClr val="tx1">
+                    <a:lumMod val="65000"/>
+                    <a:lumOff val="35000"/>
+                  </a:schemeClr>
+                </a:solidFill>
+                <a:latin typeface="+mn-lt"/>
+                <a:ea typeface="+mn-ea"/>
+                <a:cs typeface="+mn-cs"/>
+              </a:defRPr>
+            </a:lvl2pPr>
+            <a:lvl3pPr marL="1035050" indent="-349250" algn="l" defTabSz="914400" rtl="0" eaLnBrk="1" latinLnBrk="0" hangingPunct="1">
+              <a:spcBef>
+                <a:spcPts val="600"/>
+              </a:spcBef>
+              <a:buClr>
+                <a:schemeClr val="accent1"/>
+              </a:buClr>
+              <a:buSzPct val="90000"/>
+              <a:buFont typeface="Wingdings" pitchFamily="2" charset="2"/>
+              <a:buChar char="S"/>
+              <a:defRPr sz="1800" kern="1200">
+                <a:solidFill>
+                  <a:schemeClr val="tx1">
+                    <a:lumMod val="65000"/>
+                    <a:lumOff val="35000"/>
+                  </a:schemeClr>
+                </a:solidFill>
+                <a:latin typeface="+mn-lt"/>
+                <a:ea typeface="+mn-ea"/>
+                <a:cs typeface="+mn-cs"/>
+              </a:defRPr>
+            </a:lvl3pPr>
+            <a:lvl4pPr marL="1371600" indent="-336550" algn="l" defTabSz="914400" rtl="0" eaLnBrk="1" latinLnBrk="0" hangingPunct="1">
+              <a:spcBef>
+                <a:spcPts val="600"/>
+              </a:spcBef>
+              <a:buClr>
+                <a:schemeClr val="accent1">
+                  <a:lumMod val="60000"/>
+                  <a:lumOff val="40000"/>
+                </a:schemeClr>
+              </a:buClr>
+              <a:buSzPct val="90000"/>
+              <a:buFont typeface="Wingdings" pitchFamily="2" charset="2"/>
+              <a:buChar char="S"/>
+              <a:defRPr sz="1800" kern="1200">
+                <a:solidFill>
+                  <a:schemeClr val="tx1">
+                    <a:lumMod val="65000"/>
+                    <a:lumOff val="35000"/>
+                  </a:schemeClr>
+                </a:solidFill>
+                <a:latin typeface="+mn-lt"/>
+                <a:ea typeface="+mn-ea"/>
+                <a:cs typeface="+mn-cs"/>
+              </a:defRPr>
+            </a:lvl4pPr>
+            <a:lvl5pPr marL="1720850" indent="-349250" algn="l" defTabSz="914400" rtl="0" eaLnBrk="1" latinLnBrk="0" hangingPunct="1">
+              <a:spcBef>
+                <a:spcPts val="600"/>
+              </a:spcBef>
+              <a:buClr>
+                <a:schemeClr val="accent1"/>
+              </a:buClr>
+              <a:buSzPct val="90000"/>
+              <a:buFont typeface="Wingdings" pitchFamily="2" charset="2"/>
+              <a:buChar char="S"/>
+              <a:defRPr sz="1800" kern="1200">
+                <a:solidFill>
+                  <a:schemeClr val="tx1">
+                    <a:lumMod val="65000"/>
+                    <a:lumOff val="35000"/>
+                  </a:schemeClr>
+                </a:solidFill>
+                <a:latin typeface="+mn-lt"/>
+                <a:ea typeface="+mn-ea"/>
+                <a:cs typeface="+mn-cs"/>
+              </a:defRPr>
+            </a:lvl5pPr>
+            <a:lvl6pPr marL="2055813" indent="-344488" algn="l" defTabSz="914400" rtl="0" eaLnBrk="1" latinLnBrk="0" hangingPunct="1">
+              <a:spcBef>
+                <a:spcPct val="20000"/>
+              </a:spcBef>
+              <a:buClr>
+                <a:schemeClr val="accent1">
+                  <a:lumMod val="60000"/>
+                  <a:lumOff val="40000"/>
+                </a:schemeClr>
+              </a:buClr>
+              <a:buSzPct val="90000"/>
+              <a:buFont typeface="Wingdings" pitchFamily="2" charset="2"/>
+              <a:buChar char=""/>
+              <a:defRPr lang="en-US" sz="1800" kern="1200" dirty="0" smtClean="0">
+                <a:solidFill>
+                  <a:schemeClr val="tx1">
+                    <a:lumMod val="65000"/>
+                    <a:lumOff val="35000"/>
+                  </a:schemeClr>
+                </a:solidFill>
+                <a:latin typeface="+mn-lt"/>
+                <a:ea typeface="+mn-ea"/>
+                <a:cs typeface="+mn-cs"/>
+              </a:defRPr>
+            </a:lvl6pPr>
+            <a:lvl7pPr marL="2398713" indent="-344488" algn="l" defTabSz="914400" rtl="0" eaLnBrk="1" latinLnBrk="0" hangingPunct="1">
+              <a:spcBef>
+                <a:spcPct val="20000"/>
+              </a:spcBef>
+              <a:buClr>
+                <a:schemeClr val="accent1"/>
+              </a:buClr>
+              <a:buSzPct val="90000"/>
+              <a:buFont typeface="Wingdings" pitchFamily="2" charset="2"/>
+              <a:buChar char=""/>
+              <a:defRPr lang="en-US" sz="1800" kern="1200" dirty="0" smtClean="0">
+                <a:solidFill>
+                  <a:schemeClr val="tx1">
+                    <a:lumMod val="65000"/>
+                    <a:lumOff val="35000"/>
+                  </a:schemeClr>
+                </a:solidFill>
+                <a:latin typeface="+mn-lt"/>
+                <a:ea typeface="+mn-ea"/>
+                <a:cs typeface="+mn-cs"/>
+              </a:defRPr>
+            </a:lvl7pPr>
+            <a:lvl8pPr marL="2743200" indent="-344488" algn="l" defTabSz="914400" rtl="0" eaLnBrk="1" latinLnBrk="0" hangingPunct="1">
+              <a:spcBef>
+                <a:spcPct val="20000"/>
+              </a:spcBef>
+              <a:buClr>
+                <a:schemeClr val="accent1">
+                  <a:lumMod val="60000"/>
+                  <a:lumOff val="40000"/>
+                </a:schemeClr>
+              </a:buClr>
+              <a:buSzPct val="90000"/>
+              <a:buFont typeface="Wingdings" pitchFamily="2" charset="2"/>
+              <a:buChar char=""/>
+              <a:defRPr lang="en-US" sz="1800" kern="1200" dirty="0" smtClean="0">
+                <a:solidFill>
+                  <a:schemeClr val="tx1">
+                    <a:lumMod val="65000"/>
+                    <a:lumOff val="35000"/>
+                  </a:schemeClr>
+                </a:solidFill>
+                <a:latin typeface="+mn-lt"/>
+                <a:ea typeface="+mn-ea"/>
+                <a:cs typeface="+mn-cs"/>
+              </a:defRPr>
+            </a:lvl8pPr>
+            <a:lvl9pPr marL="3087688" indent="-344488" algn="l" defTabSz="914400" rtl="0" eaLnBrk="1" latinLnBrk="0" hangingPunct="1">
+              <a:spcBef>
+                <a:spcPct val="20000"/>
+              </a:spcBef>
+              <a:buClr>
+                <a:schemeClr val="accent1"/>
+              </a:buClr>
+              <a:buSzPct val="90000"/>
+              <a:buFont typeface="Wingdings" pitchFamily="2" charset="2"/>
+              <a:buChar char=""/>
+              <a:defRPr lang="en-US" sz="1800" kern="1200" dirty="0">
+                <a:solidFill>
+                  <a:schemeClr val="tx1">
+                    <a:lumMod val="65000"/>
+                    <a:lumOff val="35000"/>
+                  </a:schemeClr>
+                </a:solidFill>
+                <a:latin typeface="+mn-lt"/>
+                <a:ea typeface="+mn-ea"/>
+                <a:cs typeface="+mn-cs"/>
+              </a:defRPr>
+            </a:lvl9pPr>
+          </a:lstStyle>
+          <a:p>
+            <a:pPr marL="0" indent="0">
+              <a:buFont typeface="Wingdings" pitchFamily="2" charset="2"/>
+              <a:buNone/>
+            </a:pPr>
+            <a:r>
+              <a:rPr lang="fr-FR" dirty="0" err="1" smtClean="0">
+                <a:solidFill>
+                  <a:schemeClr val="accent1"/>
+                </a:solidFill>
+              </a:rPr>
               <a:t>Now</a:t>
             </a:r>
-            <a:r>
-              <a:rPr lang="fr-FR" dirty="0" smtClean="0"/>
-              <a:t/>
-            </a:r>
-            <a:br>
-              <a:rPr lang="fr-FR" dirty="0" smtClean="0"/>
-            </a:br>
-            <a:r>
-              <a:rPr lang="fr-FR" dirty="0" err="1" smtClean="0"/>
-              <a:t>presentation</a:t>
-            </a:r>
-            <a:r>
-              <a:rPr lang="fr-FR" dirty="0" smtClean="0"/>
-              <a:t>	</a:t>
-            </a:r>
-            <a:endParaRPr lang="fr-FR" dirty="0"/>
-          </a:p>
-        </p:txBody>
-      </p:sp>
+            <a:endParaRPr lang="fr-FR" dirty="0">
+              <a:solidFill>
+                <a:schemeClr val="accent1"/>
+              </a:solidFill>
+            </a:endParaRPr>
+          </a:p>
+        </p:txBody>
+      </p:sp>
+      <p:pic>
+        <p:nvPicPr>
+          <p:cNvPr id="10" name="Image 9" descr="1355925298_tick_64.png"/>
+          <p:cNvPicPr>
+            <a:picLocks noChangeAspect="1"/>
+          </p:cNvPicPr>
+          <p:nvPr/>
+        </p:nvPicPr>
+        <p:blipFill>
+          <a:blip r:embed="rId2">
+            <a:extLst>
+              <a:ext uri="{28A0092B-C50C-407E-A947-70E740481C1C}">
+                <a14:useLocalDpi xmlns:a14="http://schemas.microsoft.com/office/drawing/2010/main" val="0"/>
+              </a:ext>
+            </a:extLst>
+          </a:blip>
+          <a:stretch>
+            <a:fillRect/>
+          </a:stretch>
+        </p:blipFill>
+        <p:spPr>
+          <a:xfrm>
+            <a:off x="7264400" y="1641893"/>
+            <a:ext cx="447060" cy="447060"/>
+          </a:xfrm>
+          <a:prstGeom prst="rect">
+            <a:avLst/>
+          </a:prstGeom>
+        </p:spPr>
+      </p:pic>
+      <p:pic>
+        <p:nvPicPr>
+          <p:cNvPr id="11" name="Image 10" descr="1355925298_tick_64.png"/>
+          <p:cNvPicPr>
+            <a:picLocks noChangeAspect="1"/>
+          </p:cNvPicPr>
+          <p:nvPr/>
+        </p:nvPicPr>
+        <p:blipFill>
+          <a:blip r:embed="rId2">
+            <a:extLst>
+              <a:ext uri="{28A0092B-C50C-407E-A947-70E740481C1C}">
+                <a14:useLocalDpi xmlns:a14="http://schemas.microsoft.com/office/drawing/2010/main" val="0"/>
+              </a:ext>
+            </a:extLst>
+          </a:blip>
+          <a:stretch>
+            <a:fillRect/>
+          </a:stretch>
+        </p:blipFill>
+        <p:spPr>
+          <a:xfrm>
+            <a:off x="7264400" y="2223727"/>
+            <a:ext cx="447060" cy="447060"/>
+          </a:xfrm>
+          <a:prstGeom prst="rect">
+            <a:avLst/>
+          </a:prstGeom>
+        </p:spPr>
+      </p:pic>
+      <p:pic>
+        <p:nvPicPr>
+          <p:cNvPr id="12" name="Image 11" descr="1355925298_tick_64.png"/>
+          <p:cNvPicPr>
+            <a:picLocks noChangeAspect="1"/>
+          </p:cNvPicPr>
+          <p:nvPr/>
+        </p:nvPicPr>
+        <p:blipFill>
+          <a:blip r:embed="rId2">
+            <a:extLst>
+              <a:ext uri="{28A0092B-C50C-407E-A947-70E740481C1C}">
+                <a14:useLocalDpi xmlns:a14="http://schemas.microsoft.com/office/drawing/2010/main" val="0"/>
+              </a:ext>
+            </a:extLst>
+          </a:blip>
+          <a:stretch>
+            <a:fillRect/>
+          </a:stretch>
+        </p:blipFill>
+        <p:spPr>
+          <a:xfrm>
+            <a:off x="7264400" y="2825856"/>
+            <a:ext cx="447060" cy="447060"/>
+          </a:xfrm>
+          <a:prstGeom prst="rect">
+            <a:avLst/>
+          </a:prstGeom>
+        </p:spPr>
+      </p:pic>
+      <p:pic>
+        <p:nvPicPr>
+          <p:cNvPr id="13" name="Image 12" descr="1355925298_tick_64.png"/>
+          <p:cNvPicPr>
+            <a:picLocks noChangeAspect="1"/>
+          </p:cNvPicPr>
+          <p:nvPr/>
+        </p:nvPicPr>
+        <p:blipFill>
+          <a:blip r:embed="rId2">
+            <a:extLst>
+              <a:ext uri="{28A0092B-C50C-407E-A947-70E740481C1C}">
+                <a14:useLocalDpi xmlns:a14="http://schemas.microsoft.com/office/drawing/2010/main" val="0"/>
+              </a:ext>
+            </a:extLst>
+          </a:blip>
+          <a:stretch>
+            <a:fillRect/>
+          </a:stretch>
+        </p:blipFill>
+        <p:spPr>
+          <a:xfrm>
+            <a:off x="7264400" y="3405207"/>
+            <a:ext cx="447060" cy="447060"/>
+          </a:xfrm>
+          <a:prstGeom prst="rect">
+            <a:avLst/>
+          </a:prstGeom>
+        </p:spPr>
+      </p:pic>
+      <p:pic>
+        <p:nvPicPr>
+          <p:cNvPr id="14" name="Image 13" descr="1355925298_tick_64.png"/>
+          <p:cNvPicPr>
+            <a:picLocks noChangeAspect="1"/>
+          </p:cNvPicPr>
+          <p:nvPr/>
+        </p:nvPicPr>
+        <p:blipFill>
+          <a:blip r:embed="rId2">
+            <a:extLst>
+              <a:ext uri="{28A0092B-C50C-407E-A947-70E740481C1C}">
+                <a14:useLocalDpi xmlns:a14="http://schemas.microsoft.com/office/drawing/2010/main" val="0"/>
+              </a:ext>
+            </a:extLst>
+          </a:blip>
+          <a:stretch>
+            <a:fillRect/>
+          </a:stretch>
+        </p:blipFill>
+        <p:spPr>
+          <a:xfrm>
+            <a:off x="7264400" y="4557217"/>
+            <a:ext cx="447060" cy="447060"/>
+          </a:xfrm>
+          <a:prstGeom prst="rect">
+            <a:avLst/>
+          </a:prstGeom>
+        </p:spPr>
+      </p:pic>
+      <p:pic>
+        <p:nvPicPr>
+          <p:cNvPr id="16" name="Image 15" descr="1355925932_onebit_33.png"/>
+          <p:cNvPicPr>
+            <a:picLocks noChangeAspect="1"/>
+          </p:cNvPicPr>
+          <p:nvPr/>
+        </p:nvPicPr>
+        <p:blipFill>
+          <a:blip r:embed="rId3">
+            <a:extLst>
+              <a:ext uri="{28A0092B-C50C-407E-A947-70E740481C1C}">
+                <a14:useLocalDpi xmlns:a14="http://schemas.microsoft.com/office/drawing/2010/main" val="0"/>
+              </a:ext>
+            </a:extLst>
+          </a:blip>
+          <a:stretch>
+            <a:fillRect/>
+          </a:stretch>
+        </p:blipFill>
+        <p:spPr>
+          <a:xfrm>
+            <a:off x="8417106" y="2866563"/>
+            <a:ext cx="401055" cy="401055"/>
+          </a:xfrm>
+          <a:prstGeom prst="rect">
+            <a:avLst/>
+          </a:prstGeom>
+        </p:spPr>
+      </p:pic>
+      <p:pic>
+        <p:nvPicPr>
+          <p:cNvPr id="17" name="Image 16" descr="1355925932_onebit_33.png"/>
+          <p:cNvPicPr>
+            <a:picLocks noChangeAspect="1"/>
+          </p:cNvPicPr>
+          <p:nvPr/>
+        </p:nvPicPr>
+        <p:blipFill>
+          <a:blip r:embed="rId3">
+            <a:extLst>
+              <a:ext uri="{28A0092B-C50C-407E-A947-70E740481C1C}">
+                <a14:useLocalDpi xmlns:a14="http://schemas.microsoft.com/office/drawing/2010/main" val="0"/>
+              </a:ext>
+            </a:extLst>
+          </a:blip>
+          <a:stretch>
+            <a:fillRect/>
+          </a:stretch>
+        </p:blipFill>
+        <p:spPr>
+          <a:xfrm>
+            <a:off x="8419097" y="4603222"/>
+            <a:ext cx="401055" cy="401055"/>
+          </a:xfrm>
+          <a:prstGeom prst="rect">
+            <a:avLst/>
+          </a:prstGeom>
+        </p:spPr>
+      </p:pic>
+      <p:pic>
+        <p:nvPicPr>
+          <p:cNvPr id="18" name="Image 17" descr="1355925932_onebit_33.png"/>
+          <p:cNvPicPr>
+            <a:picLocks noChangeAspect="1"/>
+          </p:cNvPicPr>
+          <p:nvPr/>
+        </p:nvPicPr>
+        <p:blipFill>
+          <a:blip r:embed="rId3">
+            <a:extLst>
+              <a:ext uri="{28A0092B-C50C-407E-A947-70E740481C1C}">
+                <a14:useLocalDpi xmlns:a14="http://schemas.microsoft.com/office/drawing/2010/main" val="0"/>
+              </a:ext>
+            </a:extLst>
+          </a:blip>
+          <a:stretch>
+            <a:fillRect/>
+          </a:stretch>
+        </p:blipFill>
+        <p:spPr>
+          <a:xfrm>
+            <a:off x="7264400" y="5209665"/>
+            <a:ext cx="401055" cy="401055"/>
+          </a:xfrm>
+          <a:prstGeom prst="rect">
+            <a:avLst/>
+          </a:prstGeom>
+        </p:spPr>
+      </p:pic>
+      <p:pic>
+        <p:nvPicPr>
+          <p:cNvPr id="19" name="Image 18" descr="1355925298_tick_64.png"/>
+          <p:cNvPicPr>
+            <a:picLocks noChangeAspect="1"/>
+          </p:cNvPicPr>
+          <p:nvPr/>
+        </p:nvPicPr>
+        <p:blipFill>
+          <a:blip r:embed="rId2">
+            <a:extLst>
+              <a:ext uri="{28A0092B-C50C-407E-A947-70E740481C1C}">
+                <a14:useLocalDpi xmlns:a14="http://schemas.microsoft.com/office/drawing/2010/main" val="0"/>
+              </a:ext>
+            </a:extLst>
+          </a:blip>
+          <a:stretch>
+            <a:fillRect/>
+          </a:stretch>
+        </p:blipFill>
+        <p:spPr>
+          <a:xfrm>
+            <a:off x="8419097" y="1641893"/>
+            <a:ext cx="447060" cy="447060"/>
+          </a:xfrm>
+          <a:prstGeom prst="rect">
+            <a:avLst/>
+          </a:prstGeom>
+        </p:spPr>
+      </p:pic>
+      <p:pic>
+        <p:nvPicPr>
+          <p:cNvPr id="20" name="Image 19" descr="1355925298_tick_64.png"/>
+          <p:cNvPicPr>
+            <a:picLocks noChangeAspect="1"/>
+          </p:cNvPicPr>
+          <p:nvPr/>
+        </p:nvPicPr>
+        <p:blipFill>
+          <a:blip r:embed="rId2">
+            <a:extLst>
+              <a:ext uri="{28A0092B-C50C-407E-A947-70E740481C1C}">
+                <a14:useLocalDpi xmlns:a14="http://schemas.microsoft.com/office/drawing/2010/main" val="0"/>
+              </a:ext>
+            </a:extLst>
+          </a:blip>
+          <a:stretch>
+            <a:fillRect/>
+          </a:stretch>
+        </p:blipFill>
+        <p:spPr>
+          <a:xfrm>
+            <a:off x="8419097" y="2188474"/>
+            <a:ext cx="447060" cy="447060"/>
+          </a:xfrm>
+          <a:prstGeom prst="rect">
+            <a:avLst/>
+          </a:prstGeom>
+        </p:spPr>
+      </p:pic>
+      <p:pic>
+        <p:nvPicPr>
+          <p:cNvPr id="21" name="Image 20" descr="1355925298_tick_64.png"/>
+          <p:cNvPicPr>
+            <a:picLocks noChangeAspect="1"/>
+          </p:cNvPicPr>
+          <p:nvPr/>
+        </p:nvPicPr>
+        <p:blipFill>
+          <a:blip r:embed="rId2">
+            <a:extLst>
+              <a:ext uri="{28A0092B-C50C-407E-A947-70E740481C1C}">
+                <a14:useLocalDpi xmlns:a14="http://schemas.microsoft.com/office/drawing/2010/main" val="0"/>
+              </a:ext>
+            </a:extLst>
+          </a:blip>
+          <a:stretch>
+            <a:fillRect/>
+          </a:stretch>
+        </p:blipFill>
+        <p:spPr>
+          <a:xfrm>
+            <a:off x="8417106" y="3416065"/>
+            <a:ext cx="447060" cy="447060"/>
+          </a:xfrm>
+          <a:prstGeom prst="rect">
+            <a:avLst/>
+          </a:prstGeom>
+        </p:spPr>
+      </p:pic>
+      <p:pic>
+        <p:nvPicPr>
+          <p:cNvPr id="22" name="Image 21" descr="1355925298_tick_64.png"/>
+          <p:cNvPicPr>
+            <a:picLocks noChangeAspect="1"/>
+          </p:cNvPicPr>
+          <p:nvPr/>
+        </p:nvPicPr>
+        <p:blipFill>
+          <a:blip r:embed="rId2">
+            <a:extLst>
+              <a:ext uri="{28A0092B-C50C-407E-A947-70E740481C1C}">
+                <a14:useLocalDpi xmlns:a14="http://schemas.microsoft.com/office/drawing/2010/main" val="0"/>
+              </a:ext>
+            </a:extLst>
+          </a:blip>
+          <a:stretch>
+            <a:fillRect/>
+          </a:stretch>
+        </p:blipFill>
+        <p:spPr>
+          <a:xfrm>
+            <a:off x="8419097" y="5163660"/>
+            <a:ext cx="447060" cy="447060"/>
+          </a:xfrm>
+          <a:prstGeom prst="rect">
+            <a:avLst/>
+          </a:prstGeom>
+        </p:spPr>
+      </p:pic>
+      <p:pic>
+        <p:nvPicPr>
+          <p:cNvPr id="23" name="Image 22" descr="1355925298_tick_64.png"/>
+          <p:cNvPicPr>
+            <a:picLocks noChangeAspect="1"/>
+          </p:cNvPicPr>
+          <p:nvPr/>
+        </p:nvPicPr>
+        <p:blipFill>
+          <a:blip r:embed="rId2">
+            <a:extLst>
+              <a:ext uri="{28A0092B-C50C-407E-A947-70E740481C1C}">
+                <a14:useLocalDpi xmlns:a14="http://schemas.microsoft.com/office/drawing/2010/main" val="0"/>
+              </a:ext>
+            </a:extLst>
+          </a:blip>
+          <a:stretch>
+            <a:fillRect/>
+          </a:stretch>
+        </p:blipFill>
+        <p:spPr>
+          <a:xfrm>
+            <a:off x="8419097" y="5679675"/>
+            <a:ext cx="447060" cy="447060"/>
+          </a:xfrm>
+          <a:prstGeom prst="rect">
+            <a:avLst/>
+          </a:prstGeom>
+        </p:spPr>
+      </p:pic>
+      <p:pic>
+        <p:nvPicPr>
+          <p:cNvPr id="24" name="Image 23" descr="1355925298_tick_64.png"/>
+          <p:cNvPicPr>
+            <a:picLocks noChangeAspect="1"/>
+          </p:cNvPicPr>
+          <p:nvPr/>
+        </p:nvPicPr>
+        <p:blipFill>
+          <a:blip r:embed="rId2">
+            <a:extLst>
+              <a:ext uri="{28A0092B-C50C-407E-A947-70E740481C1C}">
+                <a14:useLocalDpi xmlns:a14="http://schemas.microsoft.com/office/drawing/2010/main" val="0"/>
+              </a:ext>
+            </a:extLst>
+          </a:blip>
+          <a:stretch>
+            <a:fillRect/>
+          </a:stretch>
+        </p:blipFill>
+        <p:spPr>
+          <a:xfrm>
+            <a:off x="8419097" y="6243974"/>
+            <a:ext cx="447060" cy="447060"/>
+          </a:xfrm>
+          <a:prstGeom prst="rect">
+            <a:avLst/>
+          </a:prstGeom>
+        </p:spPr>
+      </p:pic>
+      <p:pic>
+        <p:nvPicPr>
+          <p:cNvPr id="25" name="Image 24" descr="1355925932_onebit_33.png"/>
+          <p:cNvPicPr>
+            <a:picLocks noChangeAspect="1"/>
+          </p:cNvPicPr>
+          <p:nvPr/>
+        </p:nvPicPr>
+        <p:blipFill>
+          <a:blip r:embed="rId3">
+            <a:extLst>
+              <a:ext uri="{28A0092B-C50C-407E-A947-70E740481C1C}">
+                <a14:useLocalDpi xmlns:a14="http://schemas.microsoft.com/office/drawing/2010/main" val="0"/>
+              </a:ext>
+            </a:extLst>
+          </a:blip>
+          <a:stretch>
+            <a:fillRect/>
+          </a:stretch>
+        </p:blipFill>
+        <p:spPr>
+          <a:xfrm>
+            <a:off x="7264400" y="5842919"/>
+            <a:ext cx="401055" cy="401055"/>
+          </a:xfrm>
+          <a:prstGeom prst="rect">
+            <a:avLst/>
+          </a:prstGeom>
+        </p:spPr>
+      </p:pic>
+      <p:pic>
+        <p:nvPicPr>
+          <p:cNvPr id="27" name="Image 26" descr="1355925298_tick_64.png"/>
+          <p:cNvPicPr>
+            <a:picLocks noChangeAspect="1"/>
+          </p:cNvPicPr>
+          <p:nvPr/>
+        </p:nvPicPr>
+        <p:blipFill>
+          <a:blip r:embed="rId2">
+            <a:extLst>
+              <a:ext uri="{28A0092B-C50C-407E-A947-70E740481C1C}">
+                <a14:useLocalDpi xmlns:a14="http://schemas.microsoft.com/office/drawing/2010/main" val="0"/>
+              </a:ext>
+            </a:extLst>
+          </a:blip>
+          <a:stretch>
+            <a:fillRect/>
+          </a:stretch>
+        </p:blipFill>
+        <p:spPr>
+          <a:xfrm>
+            <a:off x="7264400" y="6243974"/>
+            <a:ext cx="447060" cy="447060"/>
+          </a:xfrm>
+          <a:prstGeom prst="rect">
+            <a:avLst/>
+          </a:prstGeom>
+        </p:spPr>
+      </p:pic>
     </p:spTree>
     <p:extLst>
       <p:ext uri="{BB962C8B-B14F-4D97-AF65-F5344CB8AC3E}">
@@ -5849,6 +6613,13 @@
   <p:clrMapOvr>
     <a:masterClrMapping/>
   </p:clrMapOvr>
+  <p:timing>
+    <p:tnLst>
+      <p:par>
+        <p:cTn xmlns:p14="http://schemas.microsoft.com/office/powerpoint/2010/main" id="1" dur="indefinite" restart="never" nodeType="tmRoot"/>
+      </p:par>
+    </p:tnLst>
+  </p:timing>
 </p:sld>
 </file>
 
@@ -6325,12 +7096,12 @@
           <a:lstStyle/>
           <a:p>
             <a:r>
+              <a:rPr lang="fr-FR" dirty="0" err="1"/>
+              <a:t>I</a:t>
+            </a:r>
+            <a:r>
               <a:rPr lang="fr-FR" dirty="0" err="1" smtClean="0"/>
-              <a:t>Improvement</a:t>
-            </a:r>
-            <a:r>
-              <a:rPr lang="fr-FR" dirty="0" err="1"/>
-              <a:t>s</a:t>
+              <a:t>mprovements</a:t>
             </a:r>
             <a:endParaRPr lang="fr-FR" dirty="0"/>
           </a:p>
@@ -6351,7 +7122,11 @@
           <a:bodyPr/>
           <a:lstStyle/>
           <a:p>
-            <a:endParaRPr lang="fr-FR"/>
+            <a:r>
+              <a:rPr lang="fr-FR" dirty="0" smtClean="0"/>
+              <a:t>More </a:t>
+            </a:r>
+            <a:endParaRPr lang="fr-FR" dirty="0"/>
           </a:p>
         </p:txBody>
       </p:sp>

--- a/doc/Presentation.pptx
+++ b/doc/Presentation.pptx
@@ -4,6 +4,9 @@
   <p:sldMasterIdLst>
     <p:sldMasterId id="2147483660" r:id="rId1"/>
   </p:sldMasterIdLst>
+  <p:notesMasterIdLst>
+    <p:notesMasterId r:id="rId11"/>
+  </p:notesMasterIdLst>
   <p:sldIdLst>
     <p:sldId id="256" r:id="rId2"/>
     <p:sldId id="257" r:id="rId3"/>
@@ -113,6 +116,796 @@
     </a:lvl9pPr>
   </p:defaultTextStyle>
 </p:presentation>
+</file>
+
+<file path=ppt/notesMasters/notesMaster1.xml><?xml version="1.0" encoding="utf-8"?>
+<p:notesMaster xmlns:a="http://schemas.openxmlformats.org/drawingml/2006/main" xmlns:r="http://schemas.openxmlformats.org/officeDocument/2006/relationships" xmlns:p="http://schemas.openxmlformats.org/presentationml/2006/main">
+  <p:cSld>
+    <p:bg>
+      <p:bgRef idx="1001">
+        <a:schemeClr val="bg1"/>
+      </p:bgRef>
+    </p:bg>
+    <p:spTree>
+      <p:nvGrpSpPr>
+        <p:cNvPr id="1" name=""/>
+        <p:cNvGrpSpPr/>
+        <p:nvPr/>
+      </p:nvGrpSpPr>
+      <p:grpSpPr>
+        <a:xfrm>
+          <a:off x="0" y="0"/>
+          <a:ext cx="0" cy="0"/>
+          <a:chOff x="0" y="0"/>
+          <a:chExt cx="0" cy="0"/>
+        </a:xfrm>
+      </p:grpSpPr>
+      <p:sp>
+        <p:nvSpPr>
+          <p:cNvPr id="2" name="Espace réservé de l'en-tête 1"/>
+          <p:cNvSpPr>
+            <a:spLocks noGrp="1"/>
+          </p:cNvSpPr>
+          <p:nvPr>
+            <p:ph type="hdr" sz="quarter"/>
+          </p:nvPr>
+        </p:nvSpPr>
+        <p:spPr>
+          <a:xfrm>
+            <a:off x="0" y="0"/>
+            <a:ext cx="2971800" cy="457200"/>
+          </a:xfrm>
+          <a:prstGeom prst="rect">
+            <a:avLst/>
+          </a:prstGeom>
+        </p:spPr>
+        <p:txBody>
+          <a:bodyPr vert="horz" lIns="91440" tIns="45720" rIns="91440" bIns="45720" rtlCol="0"/>
+          <a:lstStyle>
+            <a:lvl1pPr algn="l">
+              <a:defRPr sz="1200"/>
+            </a:lvl1pPr>
+          </a:lstStyle>
+          <a:p>
+            <a:endParaRPr lang="fr-FR"/>
+          </a:p>
+        </p:txBody>
+      </p:sp>
+      <p:sp>
+        <p:nvSpPr>
+          <p:cNvPr id="3" name="Espace réservé de la date 2"/>
+          <p:cNvSpPr>
+            <a:spLocks noGrp="1"/>
+          </p:cNvSpPr>
+          <p:nvPr>
+            <p:ph type="dt" idx="1"/>
+          </p:nvPr>
+        </p:nvSpPr>
+        <p:spPr>
+          <a:xfrm>
+            <a:off x="3884613" y="0"/>
+            <a:ext cx="2971800" cy="457200"/>
+          </a:xfrm>
+          <a:prstGeom prst="rect">
+            <a:avLst/>
+          </a:prstGeom>
+        </p:spPr>
+        <p:txBody>
+          <a:bodyPr vert="horz" lIns="91440" tIns="45720" rIns="91440" bIns="45720" rtlCol="0"/>
+          <a:lstStyle>
+            <a:lvl1pPr algn="r">
+              <a:defRPr sz="1200"/>
+            </a:lvl1pPr>
+          </a:lstStyle>
+          <a:p>
+            <a:fld id="{31F46B41-D9D9-1941-9E37-6A5FE6D0FBAB}" type="datetimeFigureOut">
+              <a:rPr lang="fr-FR" smtClean="0"/>
+              <a:t>20.12.12</a:t>
+            </a:fld>
+            <a:endParaRPr lang="fr-FR"/>
+          </a:p>
+        </p:txBody>
+      </p:sp>
+      <p:sp>
+        <p:nvSpPr>
+          <p:cNvPr id="4" name="Espace réservé de l'image des diapositives 3"/>
+          <p:cNvSpPr>
+            <a:spLocks noGrp="1" noRot="1" noChangeAspect="1"/>
+          </p:cNvSpPr>
+          <p:nvPr>
+            <p:ph type="sldImg" idx="2"/>
+          </p:nvPr>
+        </p:nvSpPr>
+        <p:spPr>
+          <a:xfrm>
+            <a:off x="1143000" y="685800"/>
+            <a:ext cx="4572000" cy="3429000"/>
+          </a:xfrm>
+          <a:prstGeom prst="rect">
+            <a:avLst/>
+          </a:prstGeom>
+          <a:noFill/>
+          <a:ln w="12700">
+            <a:solidFill>
+              <a:prstClr val="black"/>
+            </a:solidFill>
+          </a:ln>
+        </p:spPr>
+        <p:txBody>
+          <a:bodyPr vert="horz" lIns="91440" tIns="45720" rIns="91440" bIns="45720" rtlCol="0" anchor="ctr"/>
+          <a:lstStyle/>
+          <a:p>
+            <a:endParaRPr lang="fr-FR"/>
+          </a:p>
+        </p:txBody>
+      </p:sp>
+      <p:sp>
+        <p:nvSpPr>
+          <p:cNvPr id="5" name="Espace réservé des commentaires 4"/>
+          <p:cNvSpPr>
+            <a:spLocks noGrp="1"/>
+          </p:cNvSpPr>
+          <p:nvPr>
+            <p:ph type="body" sz="quarter" idx="3"/>
+          </p:nvPr>
+        </p:nvSpPr>
+        <p:spPr>
+          <a:xfrm>
+            <a:off x="685800" y="4343400"/>
+            <a:ext cx="5486400" cy="4114800"/>
+          </a:xfrm>
+          <a:prstGeom prst="rect">
+            <a:avLst/>
+          </a:prstGeom>
+        </p:spPr>
+        <p:txBody>
+          <a:bodyPr vert="horz" lIns="91440" tIns="45720" rIns="91440" bIns="45720" rtlCol="0"/>
+          <a:lstStyle/>
+          <a:p>
+            <a:pPr lvl="0"/>
+            <a:r>
+              <a:rPr lang="fr-CH" smtClean="0"/>
+              <a:t>Cliquez pour modifier les styles du texte du masque</a:t>
+            </a:r>
+          </a:p>
+          <a:p>
+            <a:pPr lvl="1"/>
+            <a:r>
+              <a:rPr lang="fr-CH" smtClean="0"/>
+              <a:t>Deuxième niveau</a:t>
+            </a:r>
+          </a:p>
+          <a:p>
+            <a:pPr lvl="2"/>
+            <a:r>
+              <a:rPr lang="fr-CH" smtClean="0"/>
+              <a:t>Troisième niveau</a:t>
+            </a:r>
+          </a:p>
+          <a:p>
+            <a:pPr lvl="3"/>
+            <a:r>
+              <a:rPr lang="fr-CH" smtClean="0"/>
+              <a:t>Quatrième niveau</a:t>
+            </a:r>
+          </a:p>
+          <a:p>
+            <a:pPr lvl="4"/>
+            <a:r>
+              <a:rPr lang="fr-CH" smtClean="0"/>
+              <a:t>Cinquième niveau</a:t>
+            </a:r>
+            <a:endParaRPr lang="fr-FR"/>
+          </a:p>
+        </p:txBody>
+      </p:sp>
+      <p:sp>
+        <p:nvSpPr>
+          <p:cNvPr id="6" name="Espace réservé du pied de page 5"/>
+          <p:cNvSpPr>
+            <a:spLocks noGrp="1"/>
+          </p:cNvSpPr>
+          <p:nvPr>
+            <p:ph type="ftr" sz="quarter" idx="4"/>
+          </p:nvPr>
+        </p:nvSpPr>
+        <p:spPr>
+          <a:xfrm>
+            <a:off x="0" y="8685213"/>
+            <a:ext cx="2971800" cy="457200"/>
+          </a:xfrm>
+          <a:prstGeom prst="rect">
+            <a:avLst/>
+          </a:prstGeom>
+        </p:spPr>
+        <p:txBody>
+          <a:bodyPr vert="horz" lIns="91440" tIns="45720" rIns="91440" bIns="45720" rtlCol="0" anchor="b"/>
+          <a:lstStyle>
+            <a:lvl1pPr algn="l">
+              <a:defRPr sz="1200"/>
+            </a:lvl1pPr>
+          </a:lstStyle>
+          <a:p>
+            <a:endParaRPr lang="fr-FR"/>
+          </a:p>
+        </p:txBody>
+      </p:sp>
+      <p:sp>
+        <p:nvSpPr>
+          <p:cNvPr id="7" name="Espace réservé du numéro de diapositive 6"/>
+          <p:cNvSpPr>
+            <a:spLocks noGrp="1"/>
+          </p:cNvSpPr>
+          <p:nvPr>
+            <p:ph type="sldNum" sz="quarter" idx="5"/>
+          </p:nvPr>
+        </p:nvSpPr>
+        <p:spPr>
+          <a:xfrm>
+            <a:off x="3884613" y="8685213"/>
+            <a:ext cx="2971800" cy="457200"/>
+          </a:xfrm>
+          <a:prstGeom prst="rect">
+            <a:avLst/>
+          </a:prstGeom>
+        </p:spPr>
+        <p:txBody>
+          <a:bodyPr vert="horz" lIns="91440" tIns="45720" rIns="91440" bIns="45720" rtlCol="0" anchor="b"/>
+          <a:lstStyle>
+            <a:lvl1pPr algn="r">
+              <a:defRPr sz="1200"/>
+            </a:lvl1pPr>
+          </a:lstStyle>
+          <a:p>
+            <a:fld id="{1574BECC-312B-D546-8BD2-EF2FBE289D01}" type="slidenum">
+              <a:rPr lang="fr-FR" smtClean="0"/>
+              <a:t>‹#›</a:t>
+            </a:fld>
+            <a:endParaRPr lang="fr-FR"/>
+          </a:p>
+        </p:txBody>
+      </p:sp>
+    </p:spTree>
+    <p:extLst>
+      <p:ext uri="{BB962C8B-B14F-4D97-AF65-F5344CB8AC3E}">
+        <p14:creationId xmlns:p14="http://schemas.microsoft.com/office/powerpoint/2010/main" val="4050134453"/>
+      </p:ext>
+    </p:extLst>
+  </p:cSld>
+  <p:clrMap bg1="lt1" tx1="dk1" bg2="lt2" tx2="dk2" accent1="accent1" accent2="accent2" accent3="accent3" accent4="accent4" accent5="accent5" accent6="accent6" hlink="hlink" folHlink="folHlink"/>
+  <p:notesStyle>
+    <a:lvl1pPr marL="0" algn="l" defTabSz="457200" rtl="0" eaLnBrk="1" latinLnBrk="0" hangingPunct="1">
+      <a:defRPr sz="1200" kern="1200">
+        <a:solidFill>
+          <a:schemeClr val="tx1"/>
+        </a:solidFill>
+        <a:latin typeface="+mn-lt"/>
+        <a:ea typeface="+mn-ea"/>
+        <a:cs typeface="+mn-cs"/>
+      </a:defRPr>
+    </a:lvl1pPr>
+    <a:lvl2pPr marL="457200" algn="l" defTabSz="457200" rtl="0" eaLnBrk="1" latinLnBrk="0" hangingPunct="1">
+      <a:defRPr sz="1200" kern="1200">
+        <a:solidFill>
+          <a:schemeClr val="tx1"/>
+        </a:solidFill>
+        <a:latin typeface="+mn-lt"/>
+        <a:ea typeface="+mn-ea"/>
+        <a:cs typeface="+mn-cs"/>
+      </a:defRPr>
+    </a:lvl2pPr>
+    <a:lvl3pPr marL="914400" algn="l" defTabSz="457200" rtl="0" eaLnBrk="1" latinLnBrk="0" hangingPunct="1">
+      <a:defRPr sz="1200" kern="1200">
+        <a:solidFill>
+          <a:schemeClr val="tx1"/>
+        </a:solidFill>
+        <a:latin typeface="+mn-lt"/>
+        <a:ea typeface="+mn-ea"/>
+        <a:cs typeface="+mn-cs"/>
+      </a:defRPr>
+    </a:lvl3pPr>
+    <a:lvl4pPr marL="1371600" algn="l" defTabSz="457200" rtl="0" eaLnBrk="1" latinLnBrk="0" hangingPunct="1">
+      <a:defRPr sz="1200" kern="1200">
+        <a:solidFill>
+          <a:schemeClr val="tx1"/>
+        </a:solidFill>
+        <a:latin typeface="+mn-lt"/>
+        <a:ea typeface="+mn-ea"/>
+        <a:cs typeface="+mn-cs"/>
+      </a:defRPr>
+    </a:lvl4pPr>
+    <a:lvl5pPr marL="1828800" algn="l" defTabSz="457200" rtl="0" eaLnBrk="1" latinLnBrk="0" hangingPunct="1">
+      <a:defRPr sz="1200" kern="1200">
+        <a:solidFill>
+          <a:schemeClr val="tx1"/>
+        </a:solidFill>
+        <a:latin typeface="+mn-lt"/>
+        <a:ea typeface="+mn-ea"/>
+        <a:cs typeface="+mn-cs"/>
+      </a:defRPr>
+    </a:lvl5pPr>
+    <a:lvl6pPr marL="2286000" algn="l" defTabSz="457200" rtl="0" eaLnBrk="1" latinLnBrk="0" hangingPunct="1">
+      <a:defRPr sz="1200" kern="1200">
+        <a:solidFill>
+          <a:schemeClr val="tx1"/>
+        </a:solidFill>
+        <a:latin typeface="+mn-lt"/>
+        <a:ea typeface="+mn-ea"/>
+        <a:cs typeface="+mn-cs"/>
+      </a:defRPr>
+    </a:lvl6pPr>
+    <a:lvl7pPr marL="2743200" algn="l" defTabSz="457200" rtl="0" eaLnBrk="1" latinLnBrk="0" hangingPunct="1">
+      <a:defRPr sz="1200" kern="1200">
+        <a:solidFill>
+          <a:schemeClr val="tx1"/>
+        </a:solidFill>
+        <a:latin typeface="+mn-lt"/>
+        <a:ea typeface="+mn-ea"/>
+        <a:cs typeface="+mn-cs"/>
+      </a:defRPr>
+    </a:lvl7pPr>
+    <a:lvl8pPr marL="3200400" algn="l" defTabSz="457200" rtl="0" eaLnBrk="1" latinLnBrk="0" hangingPunct="1">
+      <a:defRPr sz="1200" kern="1200">
+        <a:solidFill>
+          <a:schemeClr val="tx1"/>
+        </a:solidFill>
+        <a:latin typeface="+mn-lt"/>
+        <a:ea typeface="+mn-ea"/>
+        <a:cs typeface="+mn-cs"/>
+      </a:defRPr>
+    </a:lvl8pPr>
+    <a:lvl9pPr marL="3657600" algn="l" defTabSz="457200" rtl="0" eaLnBrk="1" latinLnBrk="0" hangingPunct="1">
+      <a:defRPr sz="1200" kern="1200">
+        <a:solidFill>
+          <a:schemeClr val="tx1"/>
+        </a:solidFill>
+        <a:latin typeface="+mn-lt"/>
+        <a:ea typeface="+mn-ea"/>
+        <a:cs typeface="+mn-cs"/>
+      </a:defRPr>
+    </a:lvl9pPr>
+  </p:notesStyle>
+</p:notesMaster>
+</file>
+
+<file path=ppt/notesSlides/notesSlide1.xml><?xml version="1.0" encoding="utf-8"?>
+<p:notes xmlns:a="http://schemas.openxmlformats.org/drawingml/2006/main" xmlns:r="http://schemas.openxmlformats.org/officeDocument/2006/relationships" xmlns:p="http://schemas.openxmlformats.org/presentationml/2006/main">
+  <p:cSld>
+    <p:spTree>
+      <p:nvGrpSpPr>
+        <p:cNvPr id="1" name=""/>
+        <p:cNvGrpSpPr/>
+        <p:nvPr/>
+      </p:nvGrpSpPr>
+      <p:grpSpPr>
+        <a:xfrm>
+          <a:off x="0" y="0"/>
+          <a:ext cx="0" cy="0"/>
+          <a:chOff x="0" y="0"/>
+          <a:chExt cx="0" cy="0"/>
+        </a:xfrm>
+      </p:grpSpPr>
+      <p:sp>
+        <p:nvSpPr>
+          <p:cNvPr id="2" name="Espace réservé de l'image des diapositives 1"/>
+          <p:cNvSpPr>
+            <a:spLocks noGrp="1" noRot="1" noChangeAspect="1"/>
+          </p:cNvSpPr>
+          <p:nvPr>
+            <p:ph type="sldImg"/>
+          </p:nvPr>
+        </p:nvSpPr>
+        <p:spPr/>
+      </p:sp>
+      <p:sp>
+        <p:nvSpPr>
+          <p:cNvPr id="3" name="Espace réservé des commentaires 2"/>
+          <p:cNvSpPr>
+            <a:spLocks noGrp="1"/>
+          </p:cNvSpPr>
+          <p:nvPr>
+            <p:ph type="body" idx="1"/>
+          </p:nvPr>
+        </p:nvSpPr>
+        <p:spPr/>
+        <p:txBody>
+          <a:bodyPr/>
+          <a:lstStyle/>
+          <a:p>
+            <a:r>
+              <a:rPr lang="fr-FR" dirty="0" smtClean="0"/>
+              <a:t>Thibaud</a:t>
+            </a:r>
+            <a:endParaRPr lang="fr-FR" dirty="0"/>
+          </a:p>
+        </p:txBody>
+      </p:sp>
+      <p:sp>
+        <p:nvSpPr>
+          <p:cNvPr id="4" name="Espace réservé du numéro de diapositive 3"/>
+          <p:cNvSpPr>
+            <a:spLocks noGrp="1"/>
+          </p:cNvSpPr>
+          <p:nvPr>
+            <p:ph type="sldNum" sz="quarter" idx="10"/>
+          </p:nvPr>
+        </p:nvSpPr>
+        <p:spPr/>
+        <p:txBody>
+          <a:bodyPr/>
+          <a:lstStyle/>
+          <a:p>
+            <a:fld id="{1574BECC-312B-D546-8BD2-EF2FBE289D01}" type="slidenum">
+              <a:rPr lang="fr-FR" smtClean="0"/>
+              <a:t>1</a:t>
+            </a:fld>
+            <a:endParaRPr lang="fr-FR"/>
+          </a:p>
+        </p:txBody>
+      </p:sp>
+    </p:spTree>
+    <p:extLst>
+      <p:ext uri="{BB962C8B-B14F-4D97-AF65-F5344CB8AC3E}">
+        <p14:creationId xmlns:p14="http://schemas.microsoft.com/office/powerpoint/2010/main" val="1860036144"/>
+      </p:ext>
+    </p:extLst>
+  </p:cSld>
+  <p:clrMapOvr>
+    <a:masterClrMapping/>
+  </p:clrMapOvr>
+</p:notes>
+</file>
+
+<file path=ppt/notesSlides/notesSlide2.xml><?xml version="1.0" encoding="utf-8"?>
+<p:notes xmlns:a="http://schemas.openxmlformats.org/drawingml/2006/main" xmlns:r="http://schemas.openxmlformats.org/officeDocument/2006/relationships" xmlns:p="http://schemas.openxmlformats.org/presentationml/2006/main">
+  <p:cSld>
+    <p:spTree>
+      <p:nvGrpSpPr>
+        <p:cNvPr id="1" name=""/>
+        <p:cNvGrpSpPr/>
+        <p:nvPr/>
+      </p:nvGrpSpPr>
+      <p:grpSpPr>
+        <a:xfrm>
+          <a:off x="0" y="0"/>
+          <a:ext cx="0" cy="0"/>
+          <a:chOff x="0" y="0"/>
+          <a:chExt cx="0" cy="0"/>
+        </a:xfrm>
+      </p:grpSpPr>
+      <p:sp>
+        <p:nvSpPr>
+          <p:cNvPr id="2" name="Espace réservé de l'image des diapositives 1"/>
+          <p:cNvSpPr>
+            <a:spLocks noGrp="1" noRot="1" noChangeAspect="1"/>
+          </p:cNvSpPr>
+          <p:nvPr>
+            <p:ph type="sldImg"/>
+          </p:nvPr>
+        </p:nvSpPr>
+        <p:spPr/>
+      </p:sp>
+      <p:sp>
+        <p:nvSpPr>
+          <p:cNvPr id="3" name="Espace réservé des commentaires 2"/>
+          <p:cNvSpPr>
+            <a:spLocks noGrp="1"/>
+          </p:cNvSpPr>
+          <p:nvPr>
+            <p:ph type="body" idx="1"/>
+          </p:nvPr>
+        </p:nvSpPr>
+        <p:spPr/>
+        <p:txBody>
+          <a:bodyPr/>
+          <a:lstStyle/>
+          <a:p>
+            <a:r>
+              <a:rPr lang="fr-FR" dirty="0" smtClean="0"/>
+              <a:t>Fred</a:t>
+            </a:r>
+            <a:endParaRPr lang="fr-FR" dirty="0"/>
+          </a:p>
+        </p:txBody>
+      </p:sp>
+      <p:sp>
+        <p:nvSpPr>
+          <p:cNvPr id="4" name="Espace réservé du numéro de diapositive 3"/>
+          <p:cNvSpPr>
+            <a:spLocks noGrp="1"/>
+          </p:cNvSpPr>
+          <p:nvPr>
+            <p:ph type="sldNum" sz="quarter" idx="10"/>
+          </p:nvPr>
+        </p:nvSpPr>
+        <p:spPr/>
+        <p:txBody>
+          <a:bodyPr/>
+          <a:lstStyle/>
+          <a:p>
+            <a:fld id="{1574BECC-312B-D546-8BD2-EF2FBE289D01}" type="slidenum">
+              <a:rPr lang="fr-FR" smtClean="0"/>
+              <a:t>3</a:t>
+            </a:fld>
+            <a:endParaRPr lang="fr-FR"/>
+          </a:p>
+        </p:txBody>
+      </p:sp>
+    </p:spTree>
+    <p:extLst>
+      <p:ext uri="{BB962C8B-B14F-4D97-AF65-F5344CB8AC3E}">
+        <p14:creationId xmlns:p14="http://schemas.microsoft.com/office/powerpoint/2010/main" val="541764509"/>
+      </p:ext>
+    </p:extLst>
+  </p:cSld>
+  <p:clrMapOvr>
+    <a:masterClrMapping/>
+  </p:clrMapOvr>
+</p:notes>
+</file>
+
+<file path=ppt/notesSlides/notesSlide3.xml><?xml version="1.0" encoding="utf-8"?>
+<p:notes xmlns:a="http://schemas.openxmlformats.org/drawingml/2006/main" xmlns:r="http://schemas.openxmlformats.org/officeDocument/2006/relationships" xmlns:p="http://schemas.openxmlformats.org/presentationml/2006/main">
+  <p:cSld>
+    <p:spTree>
+      <p:nvGrpSpPr>
+        <p:cNvPr id="1" name=""/>
+        <p:cNvGrpSpPr/>
+        <p:nvPr/>
+      </p:nvGrpSpPr>
+      <p:grpSpPr>
+        <a:xfrm>
+          <a:off x="0" y="0"/>
+          <a:ext cx="0" cy="0"/>
+          <a:chOff x="0" y="0"/>
+          <a:chExt cx="0" cy="0"/>
+        </a:xfrm>
+      </p:grpSpPr>
+      <p:sp>
+        <p:nvSpPr>
+          <p:cNvPr id="2" name="Espace réservé de l'image des diapositives 1"/>
+          <p:cNvSpPr>
+            <a:spLocks noGrp="1" noRot="1" noChangeAspect="1"/>
+          </p:cNvSpPr>
+          <p:nvPr>
+            <p:ph type="sldImg"/>
+          </p:nvPr>
+        </p:nvSpPr>
+        <p:spPr/>
+      </p:sp>
+      <p:sp>
+        <p:nvSpPr>
+          <p:cNvPr id="3" name="Espace réservé des commentaires 2"/>
+          <p:cNvSpPr>
+            <a:spLocks noGrp="1"/>
+          </p:cNvSpPr>
+          <p:nvPr>
+            <p:ph type="body" idx="1"/>
+          </p:nvPr>
+        </p:nvSpPr>
+        <p:spPr/>
+        <p:txBody>
+          <a:bodyPr/>
+          <a:lstStyle/>
+          <a:p>
+            <a:r>
+              <a:rPr lang="fr-FR" dirty="0" smtClean="0"/>
+              <a:t>Thibaud</a:t>
+            </a:r>
+            <a:endParaRPr lang="fr-FR" dirty="0"/>
+          </a:p>
+        </p:txBody>
+      </p:sp>
+      <p:sp>
+        <p:nvSpPr>
+          <p:cNvPr id="4" name="Espace réservé du numéro de diapositive 3"/>
+          <p:cNvSpPr>
+            <a:spLocks noGrp="1"/>
+          </p:cNvSpPr>
+          <p:nvPr>
+            <p:ph type="sldNum" sz="quarter" idx="10"/>
+          </p:nvPr>
+        </p:nvSpPr>
+        <p:spPr/>
+        <p:txBody>
+          <a:bodyPr/>
+          <a:lstStyle/>
+          <a:p>
+            <a:fld id="{1574BECC-312B-D546-8BD2-EF2FBE289D01}" type="slidenum">
+              <a:rPr lang="fr-FR" smtClean="0"/>
+              <a:t>4</a:t>
+            </a:fld>
+            <a:endParaRPr lang="fr-FR"/>
+          </a:p>
+        </p:txBody>
+      </p:sp>
+    </p:spTree>
+    <p:extLst>
+      <p:ext uri="{BB962C8B-B14F-4D97-AF65-F5344CB8AC3E}">
+        <p14:creationId xmlns:p14="http://schemas.microsoft.com/office/powerpoint/2010/main" val="399723099"/>
+      </p:ext>
+    </p:extLst>
+  </p:cSld>
+  <p:clrMapOvr>
+    <a:masterClrMapping/>
+  </p:clrMapOvr>
+</p:notes>
+</file>
+
+<file path=ppt/notesSlides/notesSlide4.xml><?xml version="1.0" encoding="utf-8"?>
+<p:notes xmlns:a="http://schemas.openxmlformats.org/drawingml/2006/main" xmlns:r="http://schemas.openxmlformats.org/officeDocument/2006/relationships" xmlns:p="http://schemas.openxmlformats.org/presentationml/2006/main">
+  <p:cSld>
+    <p:spTree>
+      <p:nvGrpSpPr>
+        <p:cNvPr id="1" name=""/>
+        <p:cNvGrpSpPr/>
+        <p:nvPr/>
+      </p:nvGrpSpPr>
+      <p:grpSpPr>
+        <a:xfrm>
+          <a:off x="0" y="0"/>
+          <a:ext cx="0" cy="0"/>
+          <a:chOff x="0" y="0"/>
+          <a:chExt cx="0" cy="0"/>
+        </a:xfrm>
+      </p:grpSpPr>
+      <p:sp>
+        <p:nvSpPr>
+          <p:cNvPr id="2" name="Espace réservé de l'image des diapositives 1"/>
+          <p:cNvSpPr>
+            <a:spLocks noGrp="1" noRot="1" noChangeAspect="1"/>
+          </p:cNvSpPr>
+          <p:nvPr>
+            <p:ph type="sldImg"/>
+          </p:nvPr>
+        </p:nvSpPr>
+        <p:spPr/>
+      </p:sp>
+      <p:sp>
+        <p:nvSpPr>
+          <p:cNvPr id="3" name="Espace réservé des commentaires 2"/>
+          <p:cNvSpPr>
+            <a:spLocks noGrp="1"/>
+          </p:cNvSpPr>
+          <p:nvPr>
+            <p:ph type="body" idx="1"/>
+          </p:nvPr>
+        </p:nvSpPr>
+        <p:spPr/>
+        <p:txBody>
+          <a:bodyPr/>
+          <a:lstStyle/>
+          <a:p>
+            <a:r>
+              <a:rPr lang="fr-FR" dirty="0" smtClean="0"/>
+              <a:t>Thibaud</a:t>
+            </a:r>
+            <a:endParaRPr lang="fr-FR" dirty="0"/>
+          </a:p>
+        </p:txBody>
+      </p:sp>
+      <p:sp>
+        <p:nvSpPr>
+          <p:cNvPr id="4" name="Espace réservé du numéro de diapositive 3"/>
+          <p:cNvSpPr>
+            <a:spLocks noGrp="1"/>
+          </p:cNvSpPr>
+          <p:nvPr>
+            <p:ph type="sldNum" sz="quarter" idx="10"/>
+          </p:nvPr>
+        </p:nvSpPr>
+        <p:spPr/>
+        <p:txBody>
+          <a:bodyPr/>
+          <a:lstStyle/>
+          <a:p>
+            <a:fld id="{1574BECC-312B-D546-8BD2-EF2FBE289D01}" type="slidenum">
+              <a:rPr lang="fr-FR" smtClean="0"/>
+              <a:t>5</a:t>
+            </a:fld>
+            <a:endParaRPr lang="fr-FR"/>
+          </a:p>
+        </p:txBody>
+      </p:sp>
+    </p:spTree>
+    <p:extLst>
+      <p:ext uri="{BB962C8B-B14F-4D97-AF65-F5344CB8AC3E}">
+        <p14:creationId xmlns:p14="http://schemas.microsoft.com/office/powerpoint/2010/main" val="2377743682"/>
+      </p:ext>
+    </p:extLst>
+  </p:cSld>
+  <p:clrMapOvr>
+    <a:masterClrMapping/>
+  </p:clrMapOvr>
+</p:notes>
+</file>
+
+<file path=ppt/notesSlides/notesSlide5.xml><?xml version="1.0" encoding="utf-8"?>
+<p:notes xmlns:a="http://schemas.openxmlformats.org/drawingml/2006/main" xmlns:r="http://schemas.openxmlformats.org/officeDocument/2006/relationships" xmlns:p="http://schemas.openxmlformats.org/presentationml/2006/main">
+  <p:cSld>
+    <p:spTree>
+      <p:nvGrpSpPr>
+        <p:cNvPr id="1" name=""/>
+        <p:cNvGrpSpPr/>
+        <p:nvPr/>
+      </p:nvGrpSpPr>
+      <p:grpSpPr>
+        <a:xfrm>
+          <a:off x="0" y="0"/>
+          <a:ext cx="0" cy="0"/>
+          <a:chOff x="0" y="0"/>
+          <a:chExt cx="0" cy="0"/>
+        </a:xfrm>
+      </p:grpSpPr>
+      <p:sp>
+        <p:nvSpPr>
+          <p:cNvPr id="2" name="Espace réservé de l'image des diapositives 1"/>
+          <p:cNvSpPr>
+            <a:spLocks noGrp="1" noRot="1" noChangeAspect="1"/>
+          </p:cNvSpPr>
+          <p:nvPr>
+            <p:ph type="sldImg"/>
+          </p:nvPr>
+        </p:nvSpPr>
+        <p:spPr/>
+      </p:sp>
+      <p:sp>
+        <p:nvSpPr>
+          <p:cNvPr id="3" name="Espace réservé des commentaires 2"/>
+          <p:cNvSpPr>
+            <a:spLocks noGrp="1"/>
+          </p:cNvSpPr>
+          <p:nvPr>
+            <p:ph type="body" idx="1"/>
+          </p:nvPr>
+        </p:nvSpPr>
+        <p:spPr/>
+        <p:txBody>
+          <a:bodyPr/>
+          <a:lstStyle/>
+          <a:p>
+            <a:r>
+              <a:rPr lang="fr-FR" dirty="0" smtClean="0"/>
+              <a:t>Fred</a:t>
+            </a:r>
+            <a:endParaRPr lang="fr-FR" dirty="0"/>
+          </a:p>
+        </p:txBody>
+      </p:sp>
+      <p:sp>
+        <p:nvSpPr>
+          <p:cNvPr id="4" name="Espace réservé du numéro de diapositive 3"/>
+          <p:cNvSpPr>
+            <a:spLocks noGrp="1"/>
+          </p:cNvSpPr>
+          <p:nvPr>
+            <p:ph type="sldNum" sz="quarter" idx="10"/>
+          </p:nvPr>
+        </p:nvSpPr>
+        <p:spPr/>
+        <p:txBody>
+          <a:bodyPr/>
+          <a:lstStyle/>
+          <a:p>
+            <a:fld id="{1574BECC-312B-D546-8BD2-EF2FBE289D01}" type="slidenum">
+              <a:rPr lang="fr-FR" smtClean="0"/>
+              <a:t>6</a:t>
+            </a:fld>
+            <a:endParaRPr lang="fr-FR"/>
+          </a:p>
+        </p:txBody>
+      </p:sp>
+    </p:spTree>
+    <p:extLst>
+      <p:ext uri="{BB962C8B-B14F-4D97-AF65-F5344CB8AC3E}">
+        <p14:creationId xmlns:p14="http://schemas.microsoft.com/office/powerpoint/2010/main" val="1587514702"/>
+      </p:ext>
+    </p:extLst>
+  </p:cSld>
+  <p:clrMapOvr>
+    <a:masterClrMapping/>
+  </p:clrMapOvr>
+</p:notes>
 </file>
 
 <file path=ppt/slideLayouts/slideLayout1.xml><?xml version="1.0" encoding="utf-8"?>
@@ -5306,6 +6099,13 @@
   <p:clrMapOvr>
     <a:masterClrMapping/>
   </p:clrMapOvr>
+  <p:timing>
+    <p:tnLst>
+      <p:par>
+        <p:cTn xmlns:p14="http://schemas.microsoft.com/office/powerpoint/2010/main" id="1" dur="indefinite" restart="never" nodeType="tmRoot"/>
+      </p:par>
+    </p:tnLst>
+  </p:timing>
 </p:sld>
 </file>
 
@@ -5373,8 +6173,13 @@
           <a:p>
             <a:r>
               <a:rPr lang="fr-FR" dirty="0" smtClean="0"/>
-              <a:t>Application description</a:t>
-            </a:r>
+              <a:t>Application </a:t>
+            </a:r>
+            <a:r>
+              <a:rPr lang="fr-FR" dirty="0" smtClean="0"/>
+              <a:t>goals</a:t>
+            </a:r>
+            <a:endParaRPr lang="fr-FR" dirty="0" smtClean="0"/>
           </a:p>
           <a:p>
             <a:r>
@@ -5390,11 +6195,11 @@
           <a:p>
             <a:r>
               <a:rPr lang="fr-FR" dirty="0" smtClean="0"/>
-              <a:t>Technologies </a:t>
+              <a:t>Project </a:t>
             </a:r>
             <a:r>
               <a:rPr lang="fr-FR" dirty="0" err="1" smtClean="0"/>
-              <a:t>used</a:t>
+              <a:t>schema</a:t>
             </a:r>
             <a:endParaRPr lang="fr-FR" dirty="0" smtClean="0"/>
           </a:p>
@@ -5521,13 +6326,13 @@
         </p:nvSpPr>
         <p:spPr>
           <a:xfrm>
-            <a:off x="0" y="1641893"/>
-            <a:ext cx="7264400" cy="5247857"/>
+            <a:off x="340745" y="1654887"/>
+            <a:ext cx="6489977" cy="4938066"/>
           </a:xfrm>
         </p:spPr>
         <p:txBody>
           <a:bodyPr>
-            <a:normAutofit/>
+            <a:normAutofit fontScale="92500" lnSpcReduction="10000"/>
           </a:bodyPr>
           <a:lstStyle/>
           <a:p>
@@ -5556,7 +6361,11 @@
             </a:r>
             <a:r>
               <a:rPr lang="fr-FR" dirty="0" smtClean="0"/>
-              <a:t> and </a:t>
+              <a:t> </a:t>
+            </a:r>
+            <a:r>
+              <a:rPr lang="fr-FR" dirty="0" smtClean="0"/>
+              <a:t>and </a:t>
             </a:r>
             <a:r>
               <a:rPr lang="fr-FR" dirty="0" smtClean="0"/>
@@ -5664,7 +6473,7 @@
             </a:r>
             <a:r>
               <a:rPr lang="fr-FR" dirty="0" err="1" smtClean="0"/>
-              <a:t>lists</a:t>
+              <a:t>list</a:t>
             </a:r>
             <a:endParaRPr lang="fr-FR" dirty="0" smtClean="0"/>
           </a:p>
@@ -5825,7 +6634,7 @@
         </p:nvSpPr>
         <p:spPr>
           <a:xfrm>
-            <a:off x="6613573" y="835919"/>
+            <a:off x="6613573" y="923349"/>
             <a:ext cx="1673065" cy="762000"/>
           </a:xfrm>
         </p:spPr>
@@ -6123,486 +6932,710 @@
           </a:p>
         </p:txBody>
       </p:sp>
-      <p:pic>
-        <p:nvPicPr>
-          <p:cNvPr id="10" name="Image 9" descr="1355925298_tick_64.png"/>
-          <p:cNvPicPr>
-            <a:picLocks noChangeAspect="1"/>
-          </p:cNvPicPr>
+      <p:sp>
+        <p:nvSpPr>
+          <p:cNvPr id="30" name="Espace réservé du contenu 2"/>
+          <p:cNvSpPr txBox="1">
+            <a:spLocks/>
+          </p:cNvSpPr>
           <p:nvPr/>
-        </p:nvPicPr>
-        <p:blipFill>
-          <a:blip r:embed="rId2">
-            <a:extLst>
-              <a:ext uri="{28A0092B-C50C-407E-A947-70E740481C1C}">
-                <a14:useLocalDpi xmlns:a14="http://schemas.microsoft.com/office/drawing/2010/main" val="0"/>
-              </a:ext>
-            </a:extLst>
-          </a:blip>
-          <a:stretch>
-            <a:fillRect/>
-          </a:stretch>
-        </p:blipFill>
+        </p:nvSpPr>
         <p:spPr>
           <a:xfrm>
-            <a:off x="7264400" y="1641893"/>
-            <a:ext cx="447060" cy="447060"/>
+            <a:off x="7053753" y="1667275"/>
+            <a:ext cx="916304" cy="4861225"/>
           </a:xfrm>
           <a:prstGeom prst="rect">
             <a:avLst/>
           </a:prstGeom>
         </p:spPr>
-      </p:pic>
-      <p:pic>
-        <p:nvPicPr>
-          <p:cNvPr id="11" name="Image 10" descr="1355925298_tick_64.png"/>
-          <p:cNvPicPr>
-            <a:picLocks noChangeAspect="1"/>
-          </p:cNvPicPr>
+        <p:txBody>
+          <a:bodyPr vert="horz" lIns="91440" tIns="45720" rIns="91440" bIns="45720" rtlCol="0">
+            <a:normAutofit lnSpcReduction="10000"/>
+          </a:bodyPr>
+          <a:lstStyle>
+            <a:lvl1pPr marL="342900" indent="-342900" algn="l" defTabSz="914400" rtl="0" eaLnBrk="1" latinLnBrk="0" hangingPunct="1">
+              <a:spcBef>
+                <a:spcPts val="2000"/>
+              </a:spcBef>
+              <a:buClr>
+                <a:schemeClr val="accent1"/>
+              </a:buClr>
+              <a:buSzPct val="90000"/>
+              <a:buFont typeface="Wingdings" pitchFamily="2" charset="2"/>
+              <a:buChar char="S"/>
+              <a:defRPr sz="2200" kern="1200">
+                <a:solidFill>
+                  <a:schemeClr val="tx1">
+                    <a:lumMod val="65000"/>
+                    <a:lumOff val="35000"/>
+                  </a:schemeClr>
+                </a:solidFill>
+                <a:latin typeface="+mn-lt"/>
+                <a:ea typeface="+mn-ea"/>
+                <a:cs typeface="+mn-cs"/>
+              </a:defRPr>
+            </a:lvl1pPr>
+            <a:lvl2pPr marL="685800" indent="-336550" algn="l" defTabSz="914400" rtl="0" eaLnBrk="1" latinLnBrk="0" hangingPunct="1">
+              <a:spcBef>
+                <a:spcPts val="600"/>
+              </a:spcBef>
+              <a:buClr>
+                <a:schemeClr val="accent1">
+                  <a:lumMod val="60000"/>
+                  <a:lumOff val="40000"/>
+                </a:schemeClr>
+              </a:buClr>
+              <a:buSzPct val="90000"/>
+              <a:buFont typeface="Wingdings" pitchFamily="2" charset="2"/>
+              <a:buChar char="S"/>
+              <a:defRPr sz="2000" kern="1200">
+                <a:solidFill>
+                  <a:schemeClr val="tx1">
+                    <a:lumMod val="65000"/>
+                    <a:lumOff val="35000"/>
+                  </a:schemeClr>
+                </a:solidFill>
+                <a:latin typeface="+mn-lt"/>
+                <a:ea typeface="+mn-ea"/>
+                <a:cs typeface="+mn-cs"/>
+              </a:defRPr>
+            </a:lvl2pPr>
+            <a:lvl3pPr marL="1035050" indent="-349250" algn="l" defTabSz="914400" rtl="0" eaLnBrk="1" latinLnBrk="0" hangingPunct="1">
+              <a:spcBef>
+                <a:spcPts val="600"/>
+              </a:spcBef>
+              <a:buClr>
+                <a:schemeClr val="accent1"/>
+              </a:buClr>
+              <a:buSzPct val="90000"/>
+              <a:buFont typeface="Wingdings" pitchFamily="2" charset="2"/>
+              <a:buChar char="S"/>
+              <a:defRPr sz="1800" kern="1200">
+                <a:solidFill>
+                  <a:schemeClr val="tx1">
+                    <a:lumMod val="65000"/>
+                    <a:lumOff val="35000"/>
+                  </a:schemeClr>
+                </a:solidFill>
+                <a:latin typeface="+mn-lt"/>
+                <a:ea typeface="+mn-ea"/>
+                <a:cs typeface="+mn-cs"/>
+              </a:defRPr>
+            </a:lvl3pPr>
+            <a:lvl4pPr marL="1371600" indent="-336550" algn="l" defTabSz="914400" rtl="0" eaLnBrk="1" latinLnBrk="0" hangingPunct="1">
+              <a:spcBef>
+                <a:spcPts val="600"/>
+              </a:spcBef>
+              <a:buClr>
+                <a:schemeClr val="accent1">
+                  <a:lumMod val="60000"/>
+                  <a:lumOff val="40000"/>
+                </a:schemeClr>
+              </a:buClr>
+              <a:buSzPct val="90000"/>
+              <a:buFont typeface="Wingdings" pitchFamily="2" charset="2"/>
+              <a:buChar char="S"/>
+              <a:defRPr sz="1800" kern="1200">
+                <a:solidFill>
+                  <a:schemeClr val="tx1">
+                    <a:lumMod val="65000"/>
+                    <a:lumOff val="35000"/>
+                  </a:schemeClr>
+                </a:solidFill>
+                <a:latin typeface="+mn-lt"/>
+                <a:ea typeface="+mn-ea"/>
+                <a:cs typeface="+mn-cs"/>
+              </a:defRPr>
+            </a:lvl4pPr>
+            <a:lvl5pPr marL="1720850" indent="-349250" algn="l" defTabSz="914400" rtl="0" eaLnBrk="1" latinLnBrk="0" hangingPunct="1">
+              <a:spcBef>
+                <a:spcPts val="600"/>
+              </a:spcBef>
+              <a:buClr>
+                <a:schemeClr val="accent1"/>
+              </a:buClr>
+              <a:buSzPct val="90000"/>
+              <a:buFont typeface="Wingdings" pitchFamily="2" charset="2"/>
+              <a:buChar char="S"/>
+              <a:defRPr sz="1800" kern="1200">
+                <a:solidFill>
+                  <a:schemeClr val="tx1">
+                    <a:lumMod val="65000"/>
+                    <a:lumOff val="35000"/>
+                  </a:schemeClr>
+                </a:solidFill>
+                <a:latin typeface="+mn-lt"/>
+                <a:ea typeface="+mn-ea"/>
+                <a:cs typeface="+mn-cs"/>
+              </a:defRPr>
+            </a:lvl5pPr>
+            <a:lvl6pPr marL="2055813" indent="-344488" algn="l" defTabSz="914400" rtl="0" eaLnBrk="1" latinLnBrk="0" hangingPunct="1">
+              <a:spcBef>
+                <a:spcPct val="20000"/>
+              </a:spcBef>
+              <a:buClr>
+                <a:schemeClr val="accent1">
+                  <a:lumMod val="60000"/>
+                  <a:lumOff val="40000"/>
+                </a:schemeClr>
+              </a:buClr>
+              <a:buSzPct val="90000"/>
+              <a:buFont typeface="Wingdings" pitchFamily="2" charset="2"/>
+              <a:buChar char=""/>
+              <a:defRPr lang="en-US" sz="1800" kern="1200" dirty="0" smtClean="0">
+                <a:solidFill>
+                  <a:schemeClr val="tx1">
+                    <a:lumMod val="65000"/>
+                    <a:lumOff val="35000"/>
+                  </a:schemeClr>
+                </a:solidFill>
+                <a:latin typeface="+mn-lt"/>
+                <a:ea typeface="+mn-ea"/>
+                <a:cs typeface="+mn-cs"/>
+              </a:defRPr>
+            </a:lvl6pPr>
+            <a:lvl7pPr marL="2398713" indent="-344488" algn="l" defTabSz="914400" rtl="0" eaLnBrk="1" latinLnBrk="0" hangingPunct="1">
+              <a:spcBef>
+                <a:spcPct val="20000"/>
+              </a:spcBef>
+              <a:buClr>
+                <a:schemeClr val="accent1"/>
+              </a:buClr>
+              <a:buSzPct val="90000"/>
+              <a:buFont typeface="Wingdings" pitchFamily="2" charset="2"/>
+              <a:buChar char=""/>
+              <a:defRPr lang="en-US" sz="1800" kern="1200" dirty="0" smtClean="0">
+                <a:solidFill>
+                  <a:schemeClr val="tx1">
+                    <a:lumMod val="65000"/>
+                    <a:lumOff val="35000"/>
+                  </a:schemeClr>
+                </a:solidFill>
+                <a:latin typeface="+mn-lt"/>
+                <a:ea typeface="+mn-ea"/>
+                <a:cs typeface="+mn-cs"/>
+              </a:defRPr>
+            </a:lvl7pPr>
+            <a:lvl8pPr marL="2743200" indent="-344488" algn="l" defTabSz="914400" rtl="0" eaLnBrk="1" latinLnBrk="0" hangingPunct="1">
+              <a:spcBef>
+                <a:spcPct val="20000"/>
+              </a:spcBef>
+              <a:buClr>
+                <a:schemeClr val="accent1">
+                  <a:lumMod val="60000"/>
+                  <a:lumOff val="40000"/>
+                </a:schemeClr>
+              </a:buClr>
+              <a:buSzPct val="90000"/>
+              <a:buFont typeface="Wingdings" pitchFamily="2" charset="2"/>
+              <a:buChar char=""/>
+              <a:defRPr lang="en-US" sz="1800" kern="1200" dirty="0" smtClean="0">
+                <a:solidFill>
+                  <a:schemeClr val="tx1">
+                    <a:lumMod val="65000"/>
+                    <a:lumOff val="35000"/>
+                  </a:schemeClr>
+                </a:solidFill>
+                <a:latin typeface="+mn-lt"/>
+                <a:ea typeface="+mn-ea"/>
+                <a:cs typeface="+mn-cs"/>
+              </a:defRPr>
+            </a:lvl8pPr>
+            <a:lvl9pPr marL="3087688" indent="-344488" algn="l" defTabSz="914400" rtl="0" eaLnBrk="1" latinLnBrk="0" hangingPunct="1">
+              <a:spcBef>
+                <a:spcPct val="20000"/>
+              </a:spcBef>
+              <a:buClr>
+                <a:schemeClr val="accent1"/>
+              </a:buClr>
+              <a:buSzPct val="90000"/>
+              <a:buFont typeface="Wingdings" pitchFamily="2" charset="2"/>
+              <a:buChar char=""/>
+              <a:defRPr lang="en-US" sz="1800" kern="1200" dirty="0">
+                <a:solidFill>
+                  <a:schemeClr val="tx1">
+                    <a:lumMod val="65000"/>
+                    <a:lumOff val="35000"/>
+                  </a:schemeClr>
+                </a:solidFill>
+                <a:latin typeface="+mn-lt"/>
+                <a:ea typeface="+mn-ea"/>
+                <a:cs typeface="+mn-cs"/>
+              </a:defRPr>
+            </a:lvl9pPr>
+          </a:lstStyle>
+          <a:p>
+            <a:pPr>
+              <a:buSzPct val="200000"/>
+              <a:buBlip>
+                <a:blip r:embed="rId3"/>
+              </a:buBlip>
+            </a:pPr>
+            <a:r>
+              <a:rPr lang="fr-FR" dirty="0"/>
+              <a:t> </a:t>
+            </a:r>
+            <a:endParaRPr lang="fr-FR" dirty="0" smtClean="0"/>
+          </a:p>
+          <a:p>
+            <a:pPr>
+              <a:buSzPct val="200000"/>
+              <a:buBlip>
+                <a:blip r:embed="rId3"/>
+              </a:buBlip>
+            </a:pPr>
+            <a:r>
+              <a:rPr lang="fr-FR" dirty="0"/>
+              <a:t> </a:t>
+            </a:r>
+            <a:endParaRPr lang="fr-FR" dirty="0" smtClean="0"/>
+          </a:p>
+          <a:p>
+            <a:pPr>
+              <a:buSzPct val="200000"/>
+              <a:buBlip>
+                <a:blip r:embed="rId3"/>
+              </a:buBlip>
+            </a:pPr>
+            <a:r>
+              <a:rPr lang="fr-FR" dirty="0" smtClean="0"/>
+              <a:t> </a:t>
+            </a:r>
+          </a:p>
+          <a:p>
+            <a:pPr>
+              <a:buSzPct val="200000"/>
+              <a:buBlip>
+                <a:blip r:embed="rId3"/>
+              </a:buBlip>
+            </a:pPr>
+            <a:r>
+              <a:rPr lang="fr-FR" dirty="0"/>
+              <a:t> </a:t>
+            </a:r>
+            <a:endParaRPr lang="fr-FR" dirty="0" smtClean="0"/>
+          </a:p>
+          <a:p>
+            <a:pPr>
+              <a:buSzPct val="200000"/>
+              <a:buBlip>
+                <a:blip r:embed="rId3"/>
+              </a:buBlip>
+            </a:pPr>
+            <a:r>
+              <a:rPr lang="fr-FR" dirty="0"/>
+              <a:t> </a:t>
+            </a:r>
+            <a:endParaRPr lang="fr-FR" dirty="0" smtClean="0"/>
+          </a:p>
+          <a:p>
+            <a:pPr>
+              <a:buSzPct val="200000"/>
+              <a:buBlip>
+                <a:blip r:embed="rId3"/>
+              </a:buBlip>
+            </a:pPr>
+            <a:r>
+              <a:rPr lang="fr-FR" dirty="0"/>
+              <a:t> </a:t>
+            </a:r>
+            <a:endParaRPr lang="fr-FR" dirty="0" smtClean="0"/>
+          </a:p>
+          <a:p>
+            <a:pPr>
+              <a:buSzPct val="200000"/>
+              <a:buBlip>
+                <a:blip r:embed="rId4"/>
+              </a:buBlip>
+            </a:pPr>
+            <a:r>
+              <a:rPr lang="fr-FR" dirty="0" smtClean="0"/>
+              <a:t> </a:t>
+            </a:r>
+          </a:p>
+          <a:p>
+            <a:pPr>
+              <a:buSzPct val="200000"/>
+              <a:buBlip>
+                <a:blip r:embed="rId4"/>
+              </a:buBlip>
+            </a:pPr>
+            <a:r>
+              <a:rPr lang="fr-FR" dirty="0"/>
+              <a:t> </a:t>
+            </a:r>
+            <a:endParaRPr lang="fr-FR" dirty="0" smtClean="0"/>
+          </a:p>
+          <a:p>
+            <a:pPr>
+              <a:buSzPct val="200000"/>
+              <a:buBlip>
+                <a:blip r:embed="rId3"/>
+              </a:buBlip>
+            </a:pPr>
+            <a:r>
+              <a:rPr lang="fr-FR" dirty="0" smtClean="0"/>
+              <a:t> </a:t>
+            </a:r>
+          </a:p>
+          <a:p>
+            <a:endParaRPr lang="fr-FR" dirty="0"/>
+          </a:p>
+        </p:txBody>
+      </p:sp>
+      <p:sp>
+        <p:nvSpPr>
+          <p:cNvPr id="31" name="Espace réservé du contenu 2"/>
+          <p:cNvSpPr txBox="1">
+            <a:spLocks/>
+          </p:cNvSpPr>
           <p:nvPr/>
-        </p:nvPicPr>
-        <p:blipFill>
-          <a:blip r:embed="rId2">
-            <a:extLst>
-              <a:ext uri="{28A0092B-C50C-407E-A947-70E740481C1C}">
-                <a14:useLocalDpi xmlns:a14="http://schemas.microsoft.com/office/drawing/2010/main" val="0"/>
-              </a:ext>
-            </a:extLst>
-          </a:blip>
-          <a:stretch>
-            <a:fillRect/>
-          </a:stretch>
-        </p:blipFill>
+        </p:nvSpPr>
         <p:spPr>
           <a:xfrm>
-            <a:off x="7264400" y="2223727"/>
-            <a:ext cx="447060" cy="447060"/>
+            <a:off x="8382893" y="1667275"/>
+            <a:ext cx="916304" cy="4938066"/>
           </a:xfrm>
           <a:prstGeom prst="rect">
             <a:avLst/>
           </a:prstGeom>
         </p:spPr>
-      </p:pic>
-      <p:pic>
-        <p:nvPicPr>
-          <p:cNvPr id="12" name="Image 11" descr="1355925298_tick_64.png"/>
-          <p:cNvPicPr>
-            <a:picLocks noChangeAspect="1"/>
-          </p:cNvPicPr>
-          <p:nvPr/>
-        </p:nvPicPr>
-        <p:blipFill>
-          <a:blip r:embed="rId2">
-            <a:extLst>
-              <a:ext uri="{28A0092B-C50C-407E-A947-70E740481C1C}">
-                <a14:useLocalDpi xmlns:a14="http://schemas.microsoft.com/office/drawing/2010/main" val="0"/>
-              </a:ext>
-            </a:extLst>
-          </a:blip>
-          <a:stretch>
-            <a:fillRect/>
-          </a:stretch>
-        </p:blipFill>
-        <p:spPr>
-          <a:xfrm>
-            <a:off x="7264400" y="2825856"/>
-            <a:ext cx="447060" cy="447060"/>
-          </a:xfrm>
-          <a:prstGeom prst="rect">
-            <a:avLst/>
-          </a:prstGeom>
-        </p:spPr>
-      </p:pic>
-      <p:pic>
-        <p:nvPicPr>
-          <p:cNvPr id="13" name="Image 12" descr="1355925298_tick_64.png"/>
-          <p:cNvPicPr>
-            <a:picLocks noChangeAspect="1"/>
-          </p:cNvPicPr>
-          <p:nvPr/>
-        </p:nvPicPr>
-        <p:blipFill>
-          <a:blip r:embed="rId2">
-            <a:extLst>
-              <a:ext uri="{28A0092B-C50C-407E-A947-70E740481C1C}">
-                <a14:useLocalDpi xmlns:a14="http://schemas.microsoft.com/office/drawing/2010/main" val="0"/>
-              </a:ext>
-            </a:extLst>
-          </a:blip>
-          <a:stretch>
-            <a:fillRect/>
-          </a:stretch>
-        </p:blipFill>
-        <p:spPr>
-          <a:xfrm>
-            <a:off x="7264400" y="3405207"/>
-            <a:ext cx="447060" cy="447060"/>
-          </a:xfrm>
-          <a:prstGeom prst="rect">
-            <a:avLst/>
-          </a:prstGeom>
-        </p:spPr>
-      </p:pic>
-      <p:pic>
-        <p:nvPicPr>
-          <p:cNvPr id="14" name="Image 13" descr="1355925298_tick_64.png"/>
-          <p:cNvPicPr>
-            <a:picLocks noChangeAspect="1"/>
-          </p:cNvPicPr>
-          <p:nvPr/>
-        </p:nvPicPr>
-        <p:blipFill>
-          <a:blip r:embed="rId2">
-            <a:extLst>
-              <a:ext uri="{28A0092B-C50C-407E-A947-70E740481C1C}">
-                <a14:useLocalDpi xmlns:a14="http://schemas.microsoft.com/office/drawing/2010/main" val="0"/>
-              </a:ext>
-            </a:extLst>
-          </a:blip>
-          <a:stretch>
-            <a:fillRect/>
-          </a:stretch>
-        </p:blipFill>
-        <p:spPr>
-          <a:xfrm>
-            <a:off x="7264400" y="4557217"/>
-            <a:ext cx="447060" cy="447060"/>
-          </a:xfrm>
-          <a:prstGeom prst="rect">
-            <a:avLst/>
-          </a:prstGeom>
-        </p:spPr>
-      </p:pic>
-      <p:pic>
-        <p:nvPicPr>
-          <p:cNvPr id="16" name="Image 15" descr="1355925932_onebit_33.png"/>
-          <p:cNvPicPr>
-            <a:picLocks noChangeAspect="1"/>
-          </p:cNvPicPr>
-          <p:nvPr/>
-        </p:nvPicPr>
-        <p:blipFill>
-          <a:blip r:embed="rId3">
-            <a:extLst>
-              <a:ext uri="{28A0092B-C50C-407E-A947-70E740481C1C}">
-                <a14:useLocalDpi xmlns:a14="http://schemas.microsoft.com/office/drawing/2010/main" val="0"/>
-              </a:ext>
-            </a:extLst>
-          </a:blip>
-          <a:stretch>
-            <a:fillRect/>
-          </a:stretch>
-        </p:blipFill>
-        <p:spPr>
-          <a:xfrm>
-            <a:off x="8417106" y="2866563"/>
-            <a:ext cx="401055" cy="401055"/>
-          </a:xfrm>
-          <a:prstGeom prst="rect">
-            <a:avLst/>
-          </a:prstGeom>
-        </p:spPr>
-      </p:pic>
-      <p:pic>
-        <p:nvPicPr>
-          <p:cNvPr id="17" name="Image 16" descr="1355925932_onebit_33.png"/>
-          <p:cNvPicPr>
-            <a:picLocks noChangeAspect="1"/>
-          </p:cNvPicPr>
-          <p:nvPr/>
-        </p:nvPicPr>
-        <p:blipFill>
-          <a:blip r:embed="rId3">
-            <a:extLst>
-              <a:ext uri="{28A0092B-C50C-407E-A947-70E740481C1C}">
-                <a14:useLocalDpi xmlns:a14="http://schemas.microsoft.com/office/drawing/2010/main" val="0"/>
-              </a:ext>
-            </a:extLst>
-          </a:blip>
-          <a:stretch>
-            <a:fillRect/>
-          </a:stretch>
-        </p:blipFill>
-        <p:spPr>
-          <a:xfrm>
-            <a:off x="8419097" y="4603222"/>
-            <a:ext cx="401055" cy="401055"/>
-          </a:xfrm>
-          <a:prstGeom prst="rect">
-            <a:avLst/>
-          </a:prstGeom>
-        </p:spPr>
-      </p:pic>
-      <p:pic>
-        <p:nvPicPr>
-          <p:cNvPr id="18" name="Image 17" descr="1355925932_onebit_33.png"/>
-          <p:cNvPicPr>
-            <a:picLocks noChangeAspect="1"/>
-          </p:cNvPicPr>
-          <p:nvPr/>
-        </p:nvPicPr>
-        <p:blipFill>
-          <a:blip r:embed="rId3">
-            <a:extLst>
-              <a:ext uri="{28A0092B-C50C-407E-A947-70E740481C1C}">
-                <a14:useLocalDpi xmlns:a14="http://schemas.microsoft.com/office/drawing/2010/main" val="0"/>
-              </a:ext>
-            </a:extLst>
-          </a:blip>
-          <a:stretch>
-            <a:fillRect/>
-          </a:stretch>
-        </p:blipFill>
-        <p:spPr>
-          <a:xfrm>
-            <a:off x="7264400" y="5209665"/>
-            <a:ext cx="401055" cy="401055"/>
-          </a:xfrm>
-          <a:prstGeom prst="rect">
-            <a:avLst/>
-          </a:prstGeom>
-        </p:spPr>
-      </p:pic>
-      <p:pic>
-        <p:nvPicPr>
-          <p:cNvPr id="19" name="Image 18" descr="1355925298_tick_64.png"/>
-          <p:cNvPicPr>
-            <a:picLocks noChangeAspect="1"/>
-          </p:cNvPicPr>
-          <p:nvPr/>
-        </p:nvPicPr>
-        <p:blipFill>
-          <a:blip r:embed="rId2">
-            <a:extLst>
-              <a:ext uri="{28A0092B-C50C-407E-A947-70E740481C1C}">
-                <a14:useLocalDpi xmlns:a14="http://schemas.microsoft.com/office/drawing/2010/main" val="0"/>
-              </a:ext>
-            </a:extLst>
-          </a:blip>
-          <a:stretch>
-            <a:fillRect/>
-          </a:stretch>
-        </p:blipFill>
-        <p:spPr>
-          <a:xfrm>
-            <a:off x="8419097" y="1641893"/>
-            <a:ext cx="447060" cy="447060"/>
-          </a:xfrm>
-          <a:prstGeom prst="rect">
-            <a:avLst/>
-          </a:prstGeom>
-        </p:spPr>
-      </p:pic>
-      <p:pic>
-        <p:nvPicPr>
-          <p:cNvPr id="20" name="Image 19" descr="1355925298_tick_64.png"/>
-          <p:cNvPicPr>
-            <a:picLocks noChangeAspect="1"/>
-          </p:cNvPicPr>
-          <p:nvPr/>
-        </p:nvPicPr>
-        <p:blipFill>
-          <a:blip r:embed="rId2">
-            <a:extLst>
-              <a:ext uri="{28A0092B-C50C-407E-A947-70E740481C1C}">
-                <a14:useLocalDpi xmlns:a14="http://schemas.microsoft.com/office/drawing/2010/main" val="0"/>
-              </a:ext>
-            </a:extLst>
-          </a:blip>
-          <a:stretch>
-            <a:fillRect/>
-          </a:stretch>
-        </p:blipFill>
-        <p:spPr>
-          <a:xfrm>
-            <a:off x="8419097" y="2188474"/>
-            <a:ext cx="447060" cy="447060"/>
-          </a:xfrm>
-          <a:prstGeom prst="rect">
-            <a:avLst/>
-          </a:prstGeom>
-        </p:spPr>
-      </p:pic>
-      <p:pic>
-        <p:nvPicPr>
-          <p:cNvPr id="21" name="Image 20" descr="1355925298_tick_64.png"/>
-          <p:cNvPicPr>
-            <a:picLocks noChangeAspect="1"/>
-          </p:cNvPicPr>
-          <p:nvPr/>
-        </p:nvPicPr>
-        <p:blipFill>
-          <a:blip r:embed="rId2">
-            <a:extLst>
-              <a:ext uri="{28A0092B-C50C-407E-A947-70E740481C1C}">
-                <a14:useLocalDpi xmlns:a14="http://schemas.microsoft.com/office/drawing/2010/main" val="0"/>
-              </a:ext>
-            </a:extLst>
-          </a:blip>
-          <a:stretch>
-            <a:fillRect/>
-          </a:stretch>
-        </p:blipFill>
-        <p:spPr>
-          <a:xfrm>
-            <a:off x="8417106" y="3416065"/>
-            <a:ext cx="447060" cy="447060"/>
-          </a:xfrm>
-          <a:prstGeom prst="rect">
-            <a:avLst/>
-          </a:prstGeom>
-        </p:spPr>
-      </p:pic>
-      <p:pic>
-        <p:nvPicPr>
-          <p:cNvPr id="22" name="Image 21" descr="1355925298_tick_64.png"/>
-          <p:cNvPicPr>
-            <a:picLocks noChangeAspect="1"/>
-          </p:cNvPicPr>
-          <p:nvPr/>
-        </p:nvPicPr>
-        <p:blipFill>
-          <a:blip r:embed="rId2">
-            <a:extLst>
-              <a:ext uri="{28A0092B-C50C-407E-A947-70E740481C1C}">
-                <a14:useLocalDpi xmlns:a14="http://schemas.microsoft.com/office/drawing/2010/main" val="0"/>
-              </a:ext>
-            </a:extLst>
-          </a:blip>
-          <a:stretch>
-            <a:fillRect/>
-          </a:stretch>
-        </p:blipFill>
-        <p:spPr>
-          <a:xfrm>
-            <a:off x="8419097" y="5163660"/>
-            <a:ext cx="447060" cy="447060"/>
-          </a:xfrm>
-          <a:prstGeom prst="rect">
-            <a:avLst/>
-          </a:prstGeom>
-        </p:spPr>
-      </p:pic>
-      <p:pic>
-        <p:nvPicPr>
-          <p:cNvPr id="23" name="Image 22" descr="1355925298_tick_64.png"/>
-          <p:cNvPicPr>
-            <a:picLocks noChangeAspect="1"/>
-          </p:cNvPicPr>
-          <p:nvPr/>
-        </p:nvPicPr>
-        <p:blipFill>
-          <a:blip r:embed="rId2">
-            <a:extLst>
-              <a:ext uri="{28A0092B-C50C-407E-A947-70E740481C1C}">
-                <a14:useLocalDpi xmlns:a14="http://schemas.microsoft.com/office/drawing/2010/main" val="0"/>
-              </a:ext>
-            </a:extLst>
-          </a:blip>
-          <a:stretch>
-            <a:fillRect/>
-          </a:stretch>
-        </p:blipFill>
-        <p:spPr>
-          <a:xfrm>
-            <a:off x="8419097" y="5679675"/>
-            <a:ext cx="447060" cy="447060"/>
-          </a:xfrm>
-          <a:prstGeom prst="rect">
-            <a:avLst/>
-          </a:prstGeom>
-        </p:spPr>
-      </p:pic>
-      <p:pic>
-        <p:nvPicPr>
-          <p:cNvPr id="24" name="Image 23" descr="1355925298_tick_64.png"/>
-          <p:cNvPicPr>
-            <a:picLocks noChangeAspect="1"/>
-          </p:cNvPicPr>
-          <p:nvPr/>
-        </p:nvPicPr>
-        <p:blipFill>
-          <a:blip r:embed="rId2">
-            <a:extLst>
-              <a:ext uri="{28A0092B-C50C-407E-A947-70E740481C1C}">
-                <a14:useLocalDpi xmlns:a14="http://schemas.microsoft.com/office/drawing/2010/main" val="0"/>
-              </a:ext>
-            </a:extLst>
-          </a:blip>
-          <a:stretch>
-            <a:fillRect/>
-          </a:stretch>
-        </p:blipFill>
-        <p:spPr>
-          <a:xfrm>
-            <a:off x="8419097" y="6243974"/>
-            <a:ext cx="447060" cy="447060"/>
-          </a:xfrm>
-          <a:prstGeom prst="rect">
-            <a:avLst/>
-          </a:prstGeom>
-        </p:spPr>
-      </p:pic>
-      <p:pic>
-        <p:nvPicPr>
-          <p:cNvPr id="25" name="Image 24" descr="1355925932_onebit_33.png"/>
-          <p:cNvPicPr>
-            <a:picLocks noChangeAspect="1"/>
-          </p:cNvPicPr>
-          <p:nvPr/>
-        </p:nvPicPr>
-        <p:blipFill>
-          <a:blip r:embed="rId3">
-            <a:extLst>
-              <a:ext uri="{28A0092B-C50C-407E-A947-70E740481C1C}">
-                <a14:useLocalDpi xmlns:a14="http://schemas.microsoft.com/office/drawing/2010/main" val="0"/>
-              </a:ext>
-            </a:extLst>
-          </a:blip>
-          <a:stretch>
-            <a:fillRect/>
-          </a:stretch>
-        </p:blipFill>
-        <p:spPr>
-          <a:xfrm>
-            <a:off x="7264400" y="5842919"/>
-            <a:ext cx="401055" cy="401055"/>
-          </a:xfrm>
-          <a:prstGeom prst="rect">
-            <a:avLst/>
-          </a:prstGeom>
-        </p:spPr>
-      </p:pic>
-      <p:pic>
-        <p:nvPicPr>
-          <p:cNvPr id="27" name="Image 26" descr="1355925298_tick_64.png"/>
-          <p:cNvPicPr>
-            <a:picLocks noChangeAspect="1"/>
-          </p:cNvPicPr>
-          <p:nvPr/>
-        </p:nvPicPr>
-        <p:blipFill>
-          <a:blip r:embed="rId2">
-            <a:extLst>
-              <a:ext uri="{28A0092B-C50C-407E-A947-70E740481C1C}">
-                <a14:useLocalDpi xmlns:a14="http://schemas.microsoft.com/office/drawing/2010/main" val="0"/>
-              </a:ext>
-            </a:extLst>
-          </a:blip>
-          <a:stretch>
-            <a:fillRect/>
-          </a:stretch>
-        </p:blipFill>
-        <p:spPr>
-          <a:xfrm>
-            <a:off x="7264400" y="6243974"/>
-            <a:ext cx="447060" cy="447060"/>
-          </a:xfrm>
-          <a:prstGeom prst="rect">
-            <a:avLst/>
-          </a:prstGeom>
-        </p:spPr>
-      </p:pic>
+        <p:txBody>
+          <a:bodyPr vert="horz" lIns="91440" tIns="45720" rIns="91440" bIns="45720" rtlCol="0">
+            <a:normAutofit lnSpcReduction="10000"/>
+          </a:bodyPr>
+          <a:lstStyle>
+            <a:lvl1pPr marL="342900" indent="-342900" algn="l" defTabSz="914400" rtl="0" eaLnBrk="1" latinLnBrk="0" hangingPunct="1">
+              <a:spcBef>
+                <a:spcPts val="2000"/>
+              </a:spcBef>
+              <a:buClr>
+                <a:schemeClr val="accent1"/>
+              </a:buClr>
+              <a:buSzPct val="90000"/>
+              <a:buFont typeface="Wingdings" pitchFamily="2" charset="2"/>
+              <a:buChar char="S"/>
+              <a:defRPr sz="2200" kern="1200">
+                <a:solidFill>
+                  <a:schemeClr val="tx1">
+                    <a:lumMod val="65000"/>
+                    <a:lumOff val="35000"/>
+                  </a:schemeClr>
+                </a:solidFill>
+                <a:latin typeface="+mn-lt"/>
+                <a:ea typeface="+mn-ea"/>
+                <a:cs typeface="+mn-cs"/>
+              </a:defRPr>
+            </a:lvl1pPr>
+            <a:lvl2pPr marL="685800" indent="-336550" algn="l" defTabSz="914400" rtl="0" eaLnBrk="1" latinLnBrk="0" hangingPunct="1">
+              <a:spcBef>
+                <a:spcPts val="600"/>
+              </a:spcBef>
+              <a:buClr>
+                <a:schemeClr val="accent1">
+                  <a:lumMod val="60000"/>
+                  <a:lumOff val="40000"/>
+                </a:schemeClr>
+              </a:buClr>
+              <a:buSzPct val="90000"/>
+              <a:buFont typeface="Wingdings" pitchFamily="2" charset="2"/>
+              <a:buChar char="S"/>
+              <a:defRPr sz="2000" kern="1200">
+                <a:solidFill>
+                  <a:schemeClr val="tx1">
+                    <a:lumMod val="65000"/>
+                    <a:lumOff val="35000"/>
+                  </a:schemeClr>
+                </a:solidFill>
+                <a:latin typeface="+mn-lt"/>
+                <a:ea typeface="+mn-ea"/>
+                <a:cs typeface="+mn-cs"/>
+              </a:defRPr>
+            </a:lvl2pPr>
+            <a:lvl3pPr marL="1035050" indent="-349250" algn="l" defTabSz="914400" rtl="0" eaLnBrk="1" latinLnBrk="0" hangingPunct="1">
+              <a:spcBef>
+                <a:spcPts val="600"/>
+              </a:spcBef>
+              <a:buClr>
+                <a:schemeClr val="accent1"/>
+              </a:buClr>
+              <a:buSzPct val="90000"/>
+              <a:buFont typeface="Wingdings" pitchFamily="2" charset="2"/>
+              <a:buChar char="S"/>
+              <a:defRPr sz="1800" kern="1200">
+                <a:solidFill>
+                  <a:schemeClr val="tx1">
+                    <a:lumMod val="65000"/>
+                    <a:lumOff val="35000"/>
+                  </a:schemeClr>
+                </a:solidFill>
+                <a:latin typeface="+mn-lt"/>
+                <a:ea typeface="+mn-ea"/>
+                <a:cs typeface="+mn-cs"/>
+              </a:defRPr>
+            </a:lvl3pPr>
+            <a:lvl4pPr marL="1371600" indent="-336550" algn="l" defTabSz="914400" rtl="0" eaLnBrk="1" latinLnBrk="0" hangingPunct="1">
+              <a:spcBef>
+                <a:spcPts val="600"/>
+              </a:spcBef>
+              <a:buClr>
+                <a:schemeClr val="accent1">
+                  <a:lumMod val="60000"/>
+                  <a:lumOff val="40000"/>
+                </a:schemeClr>
+              </a:buClr>
+              <a:buSzPct val="90000"/>
+              <a:buFont typeface="Wingdings" pitchFamily="2" charset="2"/>
+              <a:buChar char="S"/>
+              <a:defRPr sz="1800" kern="1200">
+                <a:solidFill>
+                  <a:schemeClr val="tx1">
+                    <a:lumMod val="65000"/>
+                    <a:lumOff val="35000"/>
+                  </a:schemeClr>
+                </a:solidFill>
+                <a:latin typeface="+mn-lt"/>
+                <a:ea typeface="+mn-ea"/>
+                <a:cs typeface="+mn-cs"/>
+              </a:defRPr>
+            </a:lvl4pPr>
+            <a:lvl5pPr marL="1720850" indent="-349250" algn="l" defTabSz="914400" rtl="0" eaLnBrk="1" latinLnBrk="0" hangingPunct="1">
+              <a:spcBef>
+                <a:spcPts val="600"/>
+              </a:spcBef>
+              <a:buClr>
+                <a:schemeClr val="accent1"/>
+              </a:buClr>
+              <a:buSzPct val="90000"/>
+              <a:buFont typeface="Wingdings" pitchFamily="2" charset="2"/>
+              <a:buChar char="S"/>
+              <a:defRPr sz="1800" kern="1200">
+                <a:solidFill>
+                  <a:schemeClr val="tx1">
+                    <a:lumMod val="65000"/>
+                    <a:lumOff val="35000"/>
+                  </a:schemeClr>
+                </a:solidFill>
+                <a:latin typeface="+mn-lt"/>
+                <a:ea typeface="+mn-ea"/>
+                <a:cs typeface="+mn-cs"/>
+              </a:defRPr>
+            </a:lvl5pPr>
+            <a:lvl6pPr marL="2055813" indent="-344488" algn="l" defTabSz="914400" rtl="0" eaLnBrk="1" latinLnBrk="0" hangingPunct="1">
+              <a:spcBef>
+                <a:spcPct val="20000"/>
+              </a:spcBef>
+              <a:buClr>
+                <a:schemeClr val="accent1">
+                  <a:lumMod val="60000"/>
+                  <a:lumOff val="40000"/>
+                </a:schemeClr>
+              </a:buClr>
+              <a:buSzPct val="90000"/>
+              <a:buFont typeface="Wingdings" pitchFamily="2" charset="2"/>
+              <a:buChar char=""/>
+              <a:defRPr lang="en-US" sz="1800" kern="1200" dirty="0" smtClean="0">
+                <a:solidFill>
+                  <a:schemeClr val="tx1">
+                    <a:lumMod val="65000"/>
+                    <a:lumOff val="35000"/>
+                  </a:schemeClr>
+                </a:solidFill>
+                <a:latin typeface="+mn-lt"/>
+                <a:ea typeface="+mn-ea"/>
+                <a:cs typeface="+mn-cs"/>
+              </a:defRPr>
+            </a:lvl6pPr>
+            <a:lvl7pPr marL="2398713" indent="-344488" algn="l" defTabSz="914400" rtl="0" eaLnBrk="1" latinLnBrk="0" hangingPunct="1">
+              <a:spcBef>
+                <a:spcPct val="20000"/>
+              </a:spcBef>
+              <a:buClr>
+                <a:schemeClr val="accent1"/>
+              </a:buClr>
+              <a:buSzPct val="90000"/>
+              <a:buFont typeface="Wingdings" pitchFamily="2" charset="2"/>
+              <a:buChar char=""/>
+              <a:defRPr lang="en-US" sz="1800" kern="1200" dirty="0" smtClean="0">
+                <a:solidFill>
+                  <a:schemeClr val="tx1">
+                    <a:lumMod val="65000"/>
+                    <a:lumOff val="35000"/>
+                  </a:schemeClr>
+                </a:solidFill>
+                <a:latin typeface="+mn-lt"/>
+                <a:ea typeface="+mn-ea"/>
+                <a:cs typeface="+mn-cs"/>
+              </a:defRPr>
+            </a:lvl7pPr>
+            <a:lvl8pPr marL="2743200" indent="-344488" algn="l" defTabSz="914400" rtl="0" eaLnBrk="1" latinLnBrk="0" hangingPunct="1">
+              <a:spcBef>
+                <a:spcPct val="20000"/>
+              </a:spcBef>
+              <a:buClr>
+                <a:schemeClr val="accent1">
+                  <a:lumMod val="60000"/>
+                  <a:lumOff val="40000"/>
+                </a:schemeClr>
+              </a:buClr>
+              <a:buSzPct val="90000"/>
+              <a:buFont typeface="Wingdings" pitchFamily="2" charset="2"/>
+              <a:buChar char=""/>
+              <a:defRPr lang="en-US" sz="1800" kern="1200" dirty="0" smtClean="0">
+                <a:solidFill>
+                  <a:schemeClr val="tx1">
+                    <a:lumMod val="65000"/>
+                    <a:lumOff val="35000"/>
+                  </a:schemeClr>
+                </a:solidFill>
+                <a:latin typeface="+mn-lt"/>
+                <a:ea typeface="+mn-ea"/>
+                <a:cs typeface="+mn-cs"/>
+              </a:defRPr>
+            </a:lvl8pPr>
+            <a:lvl9pPr marL="3087688" indent="-344488" algn="l" defTabSz="914400" rtl="0" eaLnBrk="1" latinLnBrk="0" hangingPunct="1">
+              <a:spcBef>
+                <a:spcPct val="20000"/>
+              </a:spcBef>
+              <a:buClr>
+                <a:schemeClr val="accent1"/>
+              </a:buClr>
+              <a:buSzPct val="90000"/>
+              <a:buFont typeface="Wingdings" pitchFamily="2" charset="2"/>
+              <a:buChar char=""/>
+              <a:defRPr lang="en-US" sz="1800" kern="1200" dirty="0">
+                <a:solidFill>
+                  <a:schemeClr val="tx1">
+                    <a:lumMod val="65000"/>
+                    <a:lumOff val="35000"/>
+                  </a:schemeClr>
+                </a:solidFill>
+                <a:latin typeface="+mn-lt"/>
+                <a:ea typeface="+mn-ea"/>
+                <a:cs typeface="+mn-cs"/>
+              </a:defRPr>
+            </a:lvl9pPr>
+          </a:lstStyle>
+          <a:p>
+            <a:pPr>
+              <a:buSzPct val="200000"/>
+              <a:buBlip>
+                <a:blip r:embed="rId3"/>
+              </a:buBlip>
+            </a:pPr>
+            <a:r>
+              <a:rPr lang="fr-FR" dirty="0"/>
+              <a:t> </a:t>
+            </a:r>
+            <a:endParaRPr lang="fr-FR" dirty="0" smtClean="0"/>
+          </a:p>
+          <a:p>
+            <a:pPr>
+              <a:buSzPct val="200000"/>
+              <a:buBlip>
+                <a:blip r:embed="rId3"/>
+              </a:buBlip>
+            </a:pPr>
+            <a:r>
+              <a:rPr lang="fr-FR" dirty="0"/>
+              <a:t> </a:t>
+            </a:r>
+            <a:endParaRPr lang="fr-FR" dirty="0" smtClean="0"/>
+          </a:p>
+          <a:p>
+            <a:pPr>
+              <a:buSzPct val="200000"/>
+              <a:buBlip>
+                <a:blip r:embed="rId4"/>
+              </a:buBlip>
+            </a:pPr>
+            <a:r>
+              <a:rPr lang="fr-FR" dirty="0" smtClean="0"/>
+              <a:t> </a:t>
+            </a:r>
+          </a:p>
+          <a:p>
+            <a:pPr>
+              <a:buSzPct val="200000"/>
+              <a:buBlip>
+                <a:blip r:embed="rId3"/>
+              </a:buBlip>
+            </a:pPr>
+            <a:r>
+              <a:rPr lang="fr-FR" dirty="0"/>
+              <a:t> </a:t>
+            </a:r>
+            <a:endParaRPr lang="fr-FR" dirty="0" smtClean="0"/>
+          </a:p>
+          <a:p>
+            <a:pPr>
+              <a:buSzPct val="200000"/>
+              <a:buBlip>
+                <a:blip r:embed="rId3"/>
+              </a:buBlip>
+            </a:pPr>
+            <a:r>
+              <a:rPr lang="fr-FR" dirty="0"/>
+              <a:t> </a:t>
+            </a:r>
+            <a:endParaRPr lang="fr-FR" dirty="0" smtClean="0"/>
+          </a:p>
+          <a:p>
+            <a:pPr>
+              <a:buSzPct val="200000"/>
+              <a:buBlip>
+                <a:blip r:embed="rId4"/>
+              </a:buBlip>
+            </a:pPr>
+            <a:r>
+              <a:rPr lang="fr-FR" dirty="0"/>
+              <a:t> </a:t>
+            </a:r>
+            <a:endParaRPr lang="fr-FR" dirty="0" smtClean="0"/>
+          </a:p>
+          <a:p>
+            <a:pPr>
+              <a:buSzPct val="200000"/>
+              <a:buBlip>
+                <a:blip r:embed="rId3"/>
+              </a:buBlip>
+            </a:pPr>
+            <a:r>
+              <a:rPr lang="fr-FR" dirty="0" smtClean="0"/>
+              <a:t> </a:t>
+            </a:r>
+          </a:p>
+          <a:p>
+            <a:pPr>
+              <a:buSzPct val="200000"/>
+              <a:buBlip>
+                <a:blip r:embed="rId3"/>
+              </a:buBlip>
+            </a:pPr>
+            <a:r>
+              <a:rPr lang="fr-FR" dirty="0"/>
+              <a:t> </a:t>
+            </a:r>
+            <a:endParaRPr lang="fr-FR" dirty="0" smtClean="0"/>
+          </a:p>
+          <a:p>
+            <a:pPr>
+              <a:buSzPct val="200000"/>
+              <a:buBlip>
+                <a:blip r:embed="rId3"/>
+              </a:buBlip>
+            </a:pPr>
+            <a:r>
+              <a:rPr lang="fr-FR" dirty="0" smtClean="0"/>
+              <a:t> </a:t>
+            </a:r>
+          </a:p>
+          <a:p>
+            <a:endParaRPr lang="fr-FR" dirty="0"/>
+          </a:p>
+        </p:txBody>
+      </p:sp>
     </p:spTree>
     <p:extLst>
       <p:ext uri="{BB962C8B-B14F-4D97-AF65-F5344CB8AC3E}">
@@ -6616,7 +7649,750 @@
   <p:timing>
     <p:tnLst>
       <p:par>
-        <p:cTn xmlns:p14="http://schemas.microsoft.com/office/powerpoint/2010/main" id="1" dur="indefinite" restart="never" nodeType="tmRoot"/>
+        <p:cTn xmlns:p14="http://schemas.microsoft.com/office/powerpoint/2010/main" id="1" dur="indefinite" restart="never" nodeType="tmRoot">
+          <p:childTnLst>
+            <p:seq concurrent="1" nextAc="seek">
+              <p:cTn id="2" dur="indefinite" nodeType="mainSeq">
+                <p:childTnLst>
+                  <p:par>
+                    <p:cTn id="3" fill="hold">
+                      <p:stCondLst>
+                        <p:cond delay="indefinite"/>
+                      </p:stCondLst>
+                      <p:childTnLst>
+                        <p:par>
+                          <p:cTn id="4" fill="hold">
+                            <p:stCondLst>
+                              <p:cond delay="0"/>
+                            </p:stCondLst>
+                            <p:childTnLst>
+                              <p:par>
+                                <p:cTn id="5" presetID="1" presetClass="entr" presetSubtype="0" fill="hold" nodeType="clickEffect">
+                                  <p:stCondLst>
+                                    <p:cond delay="0"/>
+                                  </p:stCondLst>
+                                  <p:childTnLst>
+                                    <p:set>
+                                      <p:cBhvr>
+                                        <p:cTn id="6" dur="1" fill="hold">
+                                          <p:stCondLst>
+                                            <p:cond delay="0"/>
+                                          </p:stCondLst>
+                                        </p:cTn>
+                                        <p:tgtEl>
+                                          <p:spTgt spid="30">
+                                            <p:txEl>
+                                              <p:pRg st="0" end="0"/>
+                                            </p:txEl>
+                                          </p:spTgt>
+                                        </p:tgtEl>
+                                        <p:attrNameLst>
+                                          <p:attrName>style.visibility</p:attrName>
+                                        </p:attrNameLst>
+                                      </p:cBhvr>
+                                      <p:to>
+                                        <p:strVal val="visible"/>
+                                      </p:to>
+                                    </p:set>
+                                  </p:childTnLst>
+                                </p:cTn>
+                              </p:par>
+                              <p:par>
+                                <p:cTn id="7" presetID="1" presetClass="entr" presetSubtype="0" fill="hold" nodeType="withEffect">
+                                  <p:stCondLst>
+                                    <p:cond delay="0"/>
+                                  </p:stCondLst>
+                                  <p:childTnLst>
+                                    <p:set>
+                                      <p:cBhvr>
+                                        <p:cTn id="8" dur="1" fill="hold">
+                                          <p:stCondLst>
+                                            <p:cond delay="0"/>
+                                          </p:stCondLst>
+                                        </p:cTn>
+                                        <p:tgtEl>
+                                          <p:spTgt spid="31">
+                                            <p:txEl>
+                                              <p:pRg st="0" end="0"/>
+                                            </p:txEl>
+                                          </p:spTgt>
+                                        </p:tgtEl>
+                                        <p:attrNameLst>
+                                          <p:attrName>style.visibility</p:attrName>
+                                        </p:attrNameLst>
+                                      </p:cBhvr>
+                                      <p:to>
+                                        <p:strVal val="visible"/>
+                                      </p:to>
+                                    </p:set>
+                                  </p:childTnLst>
+                                </p:cTn>
+                              </p:par>
+                            </p:childTnLst>
+                          </p:cTn>
+                        </p:par>
+                      </p:childTnLst>
+                    </p:cTn>
+                  </p:par>
+                  <p:par>
+                    <p:cTn id="9" fill="hold">
+                      <p:stCondLst>
+                        <p:cond delay="indefinite"/>
+                      </p:stCondLst>
+                      <p:childTnLst>
+                        <p:par>
+                          <p:cTn id="10" fill="hold">
+                            <p:stCondLst>
+                              <p:cond delay="0"/>
+                            </p:stCondLst>
+                            <p:childTnLst>
+                              <p:par>
+                                <p:cTn id="11" presetID="1" presetClass="entr" presetSubtype="0" fill="hold" nodeType="clickEffect">
+                                  <p:stCondLst>
+                                    <p:cond delay="0"/>
+                                  </p:stCondLst>
+                                  <p:childTnLst>
+                                    <p:set>
+                                      <p:cBhvr>
+                                        <p:cTn id="12" dur="1" fill="hold">
+                                          <p:stCondLst>
+                                            <p:cond delay="0"/>
+                                          </p:stCondLst>
+                                        </p:cTn>
+                                        <p:tgtEl>
+                                          <p:spTgt spid="30">
+                                            <p:txEl>
+                                              <p:pRg st="1" end="1"/>
+                                            </p:txEl>
+                                          </p:spTgt>
+                                        </p:tgtEl>
+                                        <p:attrNameLst>
+                                          <p:attrName>style.visibility</p:attrName>
+                                        </p:attrNameLst>
+                                      </p:cBhvr>
+                                      <p:to>
+                                        <p:strVal val="visible"/>
+                                      </p:to>
+                                    </p:set>
+                                  </p:childTnLst>
+                                </p:cTn>
+                              </p:par>
+                              <p:par>
+                                <p:cTn id="13" presetID="1" presetClass="entr" presetSubtype="0" fill="hold" nodeType="withEffect">
+                                  <p:stCondLst>
+                                    <p:cond delay="0"/>
+                                  </p:stCondLst>
+                                  <p:childTnLst>
+                                    <p:set>
+                                      <p:cBhvr>
+                                        <p:cTn id="14" dur="1" fill="hold">
+                                          <p:stCondLst>
+                                            <p:cond delay="0"/>
+                                          </p:stCondLst>
+                                        </p:cTn>
+                                        <p:tgtEl>
+                                          <p:spTgt spid="31">
+                                            <p:txEl>
+                                              <p:pRg st="1" end="1"/>
+                                            </p:txEl>
+                                          </p:spTgt>
+                                        </p:tgtEl>
+                                        <p:attrNameLst>
+                                          <p:attrName>style.visibility</p:attrName>
+                                        </p:attrNameLst>
+                                      </p:cBhvr>
+                                      <p:to>
+                                        <p:strVal val="visible"/>
+                                      </p:to>
+                                    </p:set>
+                                  </p:childTnLst>
+                                </p:cTn>
+                              </p:par>
+                            </p:childTnLst>
+                          </p:cTn>
+                        </p:par>
+                      </p:childTnLst>
+                    </p:cTn>
+                  </p:par>
+                  <p:par>
+                    <p:cTn id="15" fill="hold">
+                      <p:stCondLst>
+                        <p:cond delay="indefinite"/>
+                      </p:stCondLst>
+                      <p:childTnLst>
+                        <p:par>
+                          <p:cTn id="16" fill="hold">
+                            <p:stCondLst>
+                              <p:cond delay="0"/>
+                            </p:stCondLst>
+                            <p:childTnLst>
+                              <p:par>
+                                <p:cTn id="17" presetID="1" presetClass="entr" presetSubtype="0" fill="hold" nodeType="clickEffect">
+                                  <p:stCondLst>
+                                    <p:cond delay="0"/>
+                                  </p:stCondLst>
+                                  <p:childTnLst>
+                                    <p:set>
+                                      <p:cBhvr>
+                                        <p:cTn id="18" dur="1" fill="hold">
+                                          <p:stCondLst>
+                                            <p:cond delay="0"/>
+                                          </p:stCondLst>
+                                        </p:cTn>
+                                        <p:tgtEl>
+                                          <p:spTgt spid="30">
+                                            <p:txEl>
+                                              <p:pRg st="2" end="2"/>
+                                            </p:txEl>
+                                          </p:spTgt>
+                                        </p:tgtEl>
+                                        <p:attrNameLst>
+                                          <p:attrName>style.visibility</p:attrName>
+                                        </p:attrNameLst>
+                                      </p:cBhvr>
+                                      <p:to>
+                                        <p:strVal val="visible"/>
+                                      </p:to>
+                                    </p:set>
+                                  </p:childTnLst>
+                                </p:cTn>
+                              </p:par>
+                              <p:par>
+                                <p:cTn id="19" presetID="1" presetClass="entr" presetSubtype="0" fill="hold" nodeType="withEffect">
+                                  <p:stCondLst>
+                                    <p:cond delay="0"/>
+                                  </p:stCondLst>
+                                  <p:childTnLst>
+                                    <p:set>
+                                      <p:cBhvr>
+                                        <p:cTn id="20" dur="1" fill="hold">
+                                          <p:stCondLst>
+                                            <p:cond delay="0"/>
+                                          </p:stCondLst>
+                                        </p:cTn>
+                                        <p:tgtEl>
+                                          <p:spTgt spid="31">
+                                            <p:txEl>
+                                              <p:pRg st="2" end="2"/>
+                                            </p:txEl>
+                                          </p:spTgt>
+                                        </p:tgtEl>
+                                        <p:attrNameLst>
+                                          <p:attrName>style.visibility</p:attrName>
+                                        </p:attrNameLst>
+                                      </p:cBhvr>
+                                      <p:to>
+                                        <p:strVal val="visible"/>
+                                      </p:to>
+                                    </p:set>
+                                  </p:childTnLst>
+                                </p:cTn>
+                              </p:par>
+                            </p:childTnLst>
+                          </p:cTn>
+                        </p:par>
+                      </p:childTnLst>
+                    </p:cTn>
+                  </p:par>
+                  <p:par>
+                    <p:cTn id="21" fill="hold">
+                      <p:stCondLst>
+                        <p:cond delay="indefinite"/>
+                      </p:stCondLst>
+                      <p:childTnLst>
+                        <p:par>
+                          <p:cTn id="22" fill="hold">
+                            <p:stCondLst>
+                              <p:cond delay="0"/>
+                            </p:stCondLst>
+                            <p:childTnLst>
+                              <p:par>
+                                <p:cTn id="23" presetID="1" presetClass="entr" presetSubtype="0" fill="hold" nodeType="clickEffect">
+                                  <p:stCondLst>
+                                    <p:cond delay="0"/>
+                                  </p:stCondLst>
+                                  <p:childTnLst>
+                                    <p:set>
+                                      <p:cBhvr>
+                                        <p:cTn id="24" dur="1" fill="hold">
+                                          <p:stCondLst>
+                                            <p:cond delay="0"/>
+                                          </p:stCondLst>
+                                        </p:cTn>
+                                        <p:tgtEl>
+                                          <p:spTgt spid="30">
+                                            <p:txEl>
+                                              <p:pRg st="3" end="3"/>
+                                            </p:txEl>
+                                          </p:spTgt>
+                                        </p:tgtEl>
+                                        <p:attrNameLst>
+                                          <p:attrName>style.visibility</p:attrName>
+                                        </p:attrNameLst>
+                                      </p:cBhvr>
+                                      <p:to>
+                                        <p:strVal val="visible"/>
+                                      </p:to>
+                                    </p:set>
+                                  </p:childTnLst>
+                                </p:cTn>
+                              </p:par>
+                              <p:par>
+                                <p:cTn id="25" presetID="1" presetClass="entr" presetSubtype="0" fill="hold" nodeType="withEffect">
+                                  <p:stCondLst>
+                                    <p:cond delay="0"/>
+                                  </p:stCondLst>
+                                  <p:childTnLst>
+                                    <p:set>
+                                      <p:cBhvr>
+                                        <p:cTn id="26" dur="1" fill="hold">
+                                          <p:stCondLst>
+                                            <p:cond delay="0"/>
+                                          </p:stCondLst>
+                                        </p:cTn>
+                                        <p:tgtEl>
+                                          <p:spTgt spid="31">
+                                            <p:txEl>
+                                              <p:pRg st="3" end="3"/>
+                                            </p:txEl>
+                                          </p:spTgt>
+                                        </p:tgtEl>
+                                        <p:attrNameLst>
+                                          <p:attrName>style.visibility</p:attrName>
+                                        </p:attrNameLst>
+                                      </p:cBhvr>
+                                      <p:to>
+                                        <p:strVal val="visible"/>
+                                      </p:to>
+                                    </p:set>
+                                  </p:childTnLst>
+                                </p:cTn>
+                              </p:par>
+                            </p:childTnLst>
+                          </p:cTn>
+                        </p:par>
+                      </p:childTnLst>
+                    </p:cTn>
+                  </p:par>
+                  <p:par>
+                    <p:cTn id="27" fill="hold">
+                      <p:stCondLst>
+                        <p:cond delay="indefinite"/>
+                      </p:stCondLst>
+                      <p:childTnLst>
+                        <p:par>
+                          <p:cTn id="28" fill="hold">
+                            <p:stCondLst>
+                              <p:cond delay="0"/>
+                            </p:stCondLst>
+                            <p:childTnLst>
+                              <p:par>
+                                <p:cTn id="29" presetID="1" presetClass="entr" presetSubtype="0" fill="hold" nodeType="clickEffect">
+                                  <p:stCondLst>
+                                    <p:cond delay="0"/>
+                                  </p:stCondLst>
+                                  <p:childTnLst>
+                                    <p:set>
+                                      <p:cBhvr>
+                                        <p:cTn id="30" dur="1" fill="hold">
+                                          <p:stCondLst>
+                                            <p:cond delay="0"/>
+                                          </p:stCondLst>
+                                        </p:cTn>
+                                        <p:tgtEl>
+                                          <p:spTgt spid="30">
+                                            <p:txEl>
+                                              <p:pRg st="4" end="4"/>
+                                            </p:txEl>
+                                          </p:spTgt>
+                                        </p:tgtEl>
+                                        <p:attrNameLst>
+                                          <p:attrName>style.visibility</p:attrName>
+                                        </p:attrNameLst>
+                                      </p:cBhvr>
+                                      <p:to>
+                                        <p:strVal val="visible"/>
+                                      </p:to>
+                                    </p:set>
+                                  </p:childTnLst>
+                                </p:cTn>
+                              </p:par>
+                              <p:par>
+                                <p:cTn id="31" presetID="1" presetClass="entr" presetSubtype="0" fill="hold" nodeType="withEffect">
+                                  <p:stCondLst>
+                                    <p:cond delay="0"/>
+                                  </p:stCondLst>
+                                  <p:childTnLst>
+                                    <p:set>
+                                      <p:cBhvr>
+                                        <p:cTn id="32" dur="1" fill="hold">
+                                          <p:stCondLst>
+                                            <p:cond delay="0"/>
+                                          </p:stCondLst>
+                                        </p:cTn>
+                                        <p:tgtEl>
+                                          <p:spTgt spid="31">
+                                            <p:txEl>
+                                              <p:pRg st="4" end="4"/>
+                                            </p:txEl>
+                                          </p:spTgt>
+                                        </p:tgtEl>
+                                        <p:attrNameLst>
+                                          <p:attrName>style.visibility</p:attrName>
+                                        </p:attrNameLst>
+                                      </p:cBhvr>
+                                      <p:to>
+                                        <p:strVal val="visible"/>
+                                      </p:to>
+                                    </p:set>
+                                  </p:childTnLst>
+                                </p:cTn>
+                              </p:par>
+                            </p:childTnLst>
+                          </p:cTn>
+                        </p:par>
+                      </p:childTnLst>
+                    </p:cTn>
+                  </p:par>
+                  <p:par>
+                    <p:cTn id="33" fill="hold">
+                      <p:stCondLst>
+                        <p:cond delay="indefinite"/>
+                      </p:stCondLst>
+                      <p:childTnLst>
+                        <p:par>
+                          <p:cTn id="34" fill="hold">
+                            <p:stCondLst>
+                              <p:cond delay="0"/>
+                            </p:stCondLst>
+                            <p:childTnLst>
+                              <p:par>
+                                <p:cTn id="35" presetID="1" presetClass="entr" presetSubtype="0" fill="hold" nodeType="clickEffect">
+                                  <p:stCondLst>
+                                    <p:cond delay="0"/>
+                                  </p:stCondLst>
+                                  <p:childTnLst>
+                                    <p:set>
+                                      <p:cBhvr>
+                                        <p:cTn id="36" dur="1" fill="hold">
+                                          <p:stCondLst>
+                                            <p:cond delay="0"/>
+                                          </p:stCondLst>
+                                        </p:cTn>
+                                        <p:tgtEl>
+                                          <p:spTgt spid="30">
+                                            <p:txEl>
+                                              <p:pRg st="5" end="5"/>
+                                            </p:txEl>
+                                          </p:spTgt>
+                                        </p:tgtEl>
+                                        <p:attrNameLst>
+                                          <p:attrName>style.visibility</p:attrName>
+                                        </p:attrNameLst>
+                                      </p:cBhvr>
+                                      <p:to>
+                                        <p:strVal val="visible"/>
+                                      </p:to>
+                                    </p:set>
+                                  </p:childTnLst>
+                                </p:cTn>
+                              </p:par>
+                              <p:par>
+                                <p:cTn id="37" presetID="1" presetClass="entr" presetSubtype="0" fill="hold" nodeType="withEffect">
+                                  <p:stCondLst>
+                                    <p:cond delay="0"/>
+                                  </p:stCondLst>
+                                  <p:childTnLst>
+                                    <p:set>
+                                      <p:cBhvr>
+                                        <p:cTn id="38" dur="1" fill="hold">
+                                          <p:stCondLst>
+                                            <p:cond delay="0"/>
+                                          </p:stCondLst>
+                                        </p:cTn>
+                                        <p:tgtEl>
+                                          <p:spTgt spid="31">
+                                            <p:txEl>
+                                              <p:pRg st="5" end="5"/>
+                                            </p:txEl>
+                                          </p:spTgt>
+                                        </p:tgtEl>
+                                        <p:attrNameLst>
+                                          <p:attrName>style.visibility</p:attrName>
+                                        </p:attrNameLst>
+                                      </p:cBhvr>
+                                      <p:to>
+                                        <p:strVal val="visible"/>
+                                      </p:to>
+                                    </p:set>
+                                  </p:childTnLst>
+                                </p:cTn>
+                              </p:par>
+                            </p:childTnLst>
+                          </p:cTn>
+                        </p:par>
+                      </p:childTnLst>
+                    </p:cTn>
+                  </p:par>
+                  <p:par>
+                    <p:cTn id="39" fill="hold">
+                      <p:stCondLst>
+                        <p:cond delay="indefinite"/>
+                      </p:stCondLst>
+                      <p:childTnLst>
+                        <p:par>
+                          <p:cTn id="40" fill="hold">
+                            <p:stCondLst>
+                              <p:cond delay="0"/>
+                            </p:stCondLst>
+                            <p:childTnLst>
+                              <p:par>
+                                <p:cTn id="41" presetID="1" presetClass="entr" presetSubtype="0" fill="hold" nodeType="clickEffect">
+                                  <p:stCondLst>
+                                    <p:cond delay="0"/>
+                                  </p:stCondLst>
+                                  <p:childTnLst>
+                                    <p:set>
+                                      <p:cBhvr>
+                                        <p:cTn id="42" dur="1" fill="hold">
+                                          <p:stCondLst>
+                                            <p:cond delay="0"/>
+                                          </p:stCondLst>
+                                        </p:cTn>
+                                        <p:tgtEl>
+                                          <p:spTgt spid="30">
+                                            <p:txEl>
+                                              <p:pRg st="6" end="6"/>
+                                            </p:txEl>
+                                          </p:spTgt>
+                                        </p:tgtEl>
+                                        <p:attrNameLst>
+                                          <p:attrName>style.visibility</p:attrName>
+                                        </p:attrNameLst>
+                                      </p:cBhvr>
+                                      <p:to>
+                                        <p:strVal val="visible"/>
+                                      </p:to>
+                                    </p:set>
+                                  </p:childTnLst>
+                                </p:cTn>
+                              </p:par>
+                              <p:par>
+                                <p:cTn id="43" presetID="1" presetClass="entr" presetSubtype="0" fill="hold" nodeType="withEffect">
+                                  <p:stCondLst>
+                                    <p:cond delay="0"/>
+                                  </p:stCondLst>
+                                  <p:childTnLst>
+                                    <p:set>
+                                      <p:cBhvr>
+                                        <p:cTn id="44" dur="1" fill="hold">
+                                          <p:stCondLst>
+                                            <p:cond delay="0"/>
+                                          </p:stCondLst>
+                                        </p:cTn>
+                                        <p:tgtEl>
+                                          <p:spTgt spid="31">
+                                            <p:txEl>
+                                              <p:pRg st="6" end="6"/>
+                                            </p:txEl>
+                                          </p:spTgt>
+                                        </p:tgtEl>
+                                        <p:attrNameLst>
+                                          <p:attrName>style.visibility</p:attrName>
+                                        </p:attrNameLst>
+                                      </p:cBhvr>
+                                      <p:to>
+                                        <p:strVal val="visible"/>
+                                      </p:to>
+                                    </p:set>
+                                  </p:childTnLst>
+                                </p:cTn>
+                              </p:par>
+                            </p:childTnLst>
+                          </p:cTn>
+                        </p:par>
+                      </p:childTnLst>
+                    </p:cTn>
+                  </p:par>
+                  <p:par>
+                    <p:cTn id="45" fill="hold">
+                      <p:stCondLst>
+                        <p:cond delay="indefinite"/>
+                      </p:stCondLst>
+                      <p:childTnLst>
+                        <p:par>
+                          <p:cTn id="46" fill="hold">
+                            <p:stCondLst>
+                              <p:cond delay="0"/>
+                            </p:stCondLst>
+                            <p:childTnLst>
+                              <p:par>
+                                <p:cTn id="47" presetID="1" presetClass="entr" presetSubtype="0" fill="hold" nodeType="clickEffect">
+                                  <p:stCondLst>
+                                    <p:cond delay="0"/>
+                                  </p:stCondLst>
+                                  <p:childTnLst>
+                                    <p:set>
+                                      <p:cBhvr>
+                                        <p:cTn id="48" dur="1" fill="hold">
+                                          <p:stCondLst>
+                                            <p:cond delay="0"/>
+                                          </p:stCondLst>
+                                        </p:cTn>
+                                        <p:tgtEl>
+                                          <p:spTgt spid="30">
+                                            <p:txEl>
+                                              <p:pRg st="7" end="7"/>
+                                            </p:txEl>
+                                          </p:spTgt>
+                                        </p:tgtEl>
+                                        <p:attrNameLst>
+                                          <p:attrName>style.visibility</p:attrName>
+                                        </p:attrNameLst>
+                                      </p:cBhvr>
+                                      <p:to>
+                                        <p:strVal val="visible"/>
+                                      </p:to>
+                                    </p:set>
+                                  </p:childTnLst>
+                                </p:cTn>
+                              </p:par>
+                              <p:par>
+                                <p:cTn id="49" presetID="1" presetClass="entr" presetSubtype="0" fill="hold" nodeType="withEffect">
+                                  <p:stCondLst>
+                                    <p:cond delay="0"/>
+                                  </p:stCondLst>
+                                  <p:childTnLst>
+                                    <p:set>
+                                      <p:cBhvr>
+                                        <p:cTn id="50" dur="1" fill="hold">
+                                          <p:stCondLst>
+                                            <p:cond delay="0"/>
+                                          </p:stCondLst>
+                                        </p:cTn>
+                                        <p:tgtEl>
+                                          <p:spTgt spid="31">
+                                            <p:txEl>
+                                              <p:pRg st="7" end="7"/>
+                                            </p:txEl>
+                                          </p:spTgt>
+                                        </p:tgtEl>
+                                        <p:attrNameLst>
+                                          <p:attrName>style.visibility</p:attrName>
+                                        </p:attrNameLst>
+                                      </p:cBhvr>
+                                      <p:to>
+                                        <p:strVal val="visible"/>
+                                      </p:to>
+                                    </p:set>
+                                  </p:childTnLst>
+                                </p:cTn>
+                              </p:par>
+                            </p:childTnLst>
+                          </p:cTn>
+                        </p:par>
+                      </p:childTnLst>
+                    </p:cTn>
+                  </p:par>
+                  <p:par>
+                    <p:cTn id="51" fill="hold">
+                      <p:stCondLst>
+                        <p:cond delay="indefinite"/>
+                      </p:stCondLst>
+                      <p:childTnLst>
+                        <p:par>
+                          <p:cTn id="52" fill="hold">
+                            <p:stCondLst>
+                              <p:cond delay="0"/>
+                            </p:stCondLst>
+                            <p:childTnLst>
+                              <p:par>
+                                <p:cTn id="53" presetID="1" presetClass="entr" presetSubtype="0" fill="hold" nodeType="clickEffect">
+                                  <p:stCondLst>
+                                    <p:cond delay="0"/>
+                                  </p:stCondLst>
+                                  <p:childTnLst>
+                                    <p:set>
+                                      <p:cBhvr>
+                                        <p:cTn id="54" dur="1" fill="hold">
+                                          <p:stCondLst>
+                                            <p:cond delay="0"/>
+                                          </p:stCondLst>
+                                        </p:cTn>
+                                        <p:tgtEl>
+                                          <p:spTgt spid="30">
+                                            <p:txEl>
+                                              <p:pRg st="8" end="8"/>
+                                            </p:txEl>
+                                          </p:spTgt>
+                                        </p:tgtEl>
+                                        <p:attrNameLst>
+                                          <p:attrName>style.visibility</p:attrName>
+                                        </p:attrNameLst>
+                                      </p:cBhvr>
+                                      <p:to>
+                                        <p:strVal val="visible"/>
+                                      </p:to>
+                                    </p:set>
+                                  </p:childTnLst>
+                                </p:cTn>
+                              </p:par>
+                              <p:par>
+                                <p:cTn id="55" presetID="1" presetClass="entr" presetSubtype="0" fill="hold" nodeType="withEffect">
+                                  <p:stCondLst>
+                                    <p:cond delay="0"/>
+                                  </p:stCondLst>
+                                  <p:childTnLst>
+                                    <p:set>
+                                      <p:cBhvr>
+                                        <p:cTn id="56" dur="1" fill="hold">
+                                          <p:stCondLst>
+                                            <p:cond delay="0"/>
+                                          </p:stCondLst>
+                                        </p:cTn>
+                                        <p:tgtEl>
+                                          <p:spTgt spid="31">
+                                            <p:txEl>
+                                              <p:pRg st="8" end="8"/>
+                                            </p:txEl>
+                                          </p:spTgt>
+                                        </p:tgtEl>
+                                        <p:attrNameLst>
+                                          <p:attrName>style.visibility</p:attrName>
+                                        </p:attrNameLst>
+                                      </p:cBhvr>
+                                      <p:to>
+                                        <p:strVal val="visible"/>
+                                      </p:to>
+                                    </p:set>
+                                  </p:childTnLst>
+                                </p:cTn>
+                              </p:par>
+                            </p:childTnLst>
+                          </p:cTn>
+                        </p:par>
+                      </p:childTnLst>
+                    </p:cTn>
+                  </p:par>
+                </p:childTnLst>
+              </p:cTn>
+              <p:prevCondLst>
+                <p:cond evt="onPrev" delay="0">
+                  <p:tgtEl>
+                    <p:sldTgt/>
+                  </p:tgtEl>
+                </p:cond>
+              </p:prevCondLst>
+              <p:nextCondLst>
+                <p:cond evt="onNext" delay="0">
+                  <p:tgtEl>
+                    <p:sldTgt/>
+                  </p:tgtEl>
+                </p:cond>
+              </p:nextCondLst>
+            </p:seq>
+          </p:childTnLst>
+        </p:cTn>
       </p:par>
     </p:tnLst>
   </p:timing>
@@ -6773,7 +8549,25 @@
               <a:rPr lang="fr-FR" dirty="0" smtClean="0">
                 <a:sym typeface="Wingdings"/>
               </a:rPr>
-              <a:t></a:t>
+              <a:t> - </a:t>
+            </a:r>
+            <a:r>
+              <a:rPr lang="fr-FR" dirty="0" err="1" smtClean="0">
+                <a:sym typeface="Wingdings"/>
+              </a:rPr>
+              <a:t>feature</a:t>
+            </a:r>
+            <a:r>
+              <a:rPr lang="fr-FR" dirty="0" smtClean="0">
+                <a:sym typeface="Wingdings"/>
+              </a:rPr>
+              <a:t> by </a:t>
+            </a:r>
+            <a:r>
+              <a:rPr lang="fr-FR" dirty="0" err="1" smtClean="0">
+                <a:sym typeface="Wingdings"/>
+              </a:rPr>
+              <a:t>feature</a:t>
             </a:r>
             <a:endParaRPr lang="fr-FR" dirty="0" smtClean="0"/>
           </a:p>
@@ -6792,6 +8586,13 @@
   <p:clrMapOvr>
     <a:masterClrMapping/>
   </p:clrMapOvr>
+  <p:timing>
+    <p:tnLst>
+      <p:par>
+        <p:cTn xmlns:p14="http://schemas.microsoft.com/office/powerpoint/2010/main" id="1" dur="indefinite" restart="never" nodeType="tmRoot"/>
+      </p:par>
+    </p:tnLst>
+  </p:timing>
 </p:sld>
 </file>
 
@@ -6853,7 +8654,7 @@
           <p:nvPr/>
         </p:nvPicPr>
         <p:blipFill>
-          <a:blip r:embed="rId2"/>
+          <a:blip r:embed="rId3"/>
           <a:stretch>
             <a:fillRect/>
           </a:stretch>
@@ -6878,6 +8679,138 @@
   <p:clrMapOvr>
     <a:masterClrMapping/>
   </p:clrMapOvr>
+  <p:timing>
+    <p:tnLst>
+      <p:par>
+        <p:cTn xmlns:p14="http://schemas.microsoft.com/office/powerpoint/2010/main" id="1" dur="indefinite" restart="never" nodeType="tmRoot">
+          <p:childTnLst>
+            <p:seq concurrent="1" nextAc="seek">
+              <p:cTn id="2" dur="indefinite" nodeType="mainSeq">
+                <p:childTnLst>
+                  <p:par>
+                    <p:cTn id="3" fill="hold">
+                      <p:stCondLst>
+                        <p:cond delay="indefinite"/>
+                        <p:cond evt="onBegin" delay="0">
+                          <p:tn val="2"/>
+                        </p:cond>
+                      </p:stCondLst>
+                      <p:childTnLst>
+                        <p:par>
+                          <p:cTn id="4" fill="hold">
+                            <p:stCondLst>
+                              <p:cond delay="0"/>
+                            </p:stCondLst>
+                            <p:childTnLst>
+                              <p:par>
+                                <p:cTn id="5" presetID="55" presetClass="entr" presetSubtype="0" fill="hold" nodeType="withEffect">
+                                  <p:stCondLst>
+                                    <p:cond delay="0"/>
+                                  </p:stCondLst>
+                                  <p:childTnLst>
+                                    <p:set>
+                                      <p:cBhvr>
+                                        <p:cTn id="6" dur="1" fill="hold">
+                                          <p:stCondLst>
+                                            <p:cond delay="0"/>
+                                          </p:stCondLst>
+                                        </p:cTn>
+                                        <p:tgtEl>
+                                          <p:spTgt spid="8"/>
+                                        </p:tgtEl>
+                                        <p:attrNameLst>
+                                          <p:attrName>style.visibility</p:attrName>
+                                        </p:attrNameLst>
+                                      </p:cBhvr>
+                                      <p:to>
+                                        <p:strVal val="visible"/>
+                                      </p:to>
+                                    </p:set>
+                                    <p:anim calcmode="lin" valueType="num">
+                                      <p:cBhvr>
+                                        <p:cTn id="7" dur="1000" fill="hold"/>
+                                        <p:tgtEl>
+                                          <p:spTgt spid="8"/>
+                                        </p:tgtEl>
+                                        <p:attrNameLst>
+                                          <p:attrName>ppt_w</p:attrName>
+                                        </p:attrNameLst>
+                                      </p:cBhvr>
+                                      <p:tavLst>
+                                        <p:tav tm="0">
+                                          <p:val>
+                                            <p:strVal val="#ppt_w*0.70"/>
+                                          </p:val>
+                                        </p:tav>
+                                        <p:tav tm="100000">
+                                          <p:val>
+                                            <p:strVal val="#ppt_w"/>
+                                          </p:val>
+                                        </p:tav>
+                                      </p:tavLst>
+                                    </p:anim>
+                                    <p:anim calcmode="lin" valueType="num">
+                                      <p:cBhvr>
+                                        <p:cTn id="8" dur="1000" fill="hold"/>
+                                        <p:tgtEl>
+                                          <p:spTgt spid="8"/>
+                                        </p:tgtEl>
+                                        <p:attrNameLst>
+                                          <p:attrName>ppt_h</p:attrName>
+                                        </p:attrNameLst>
+                                      </p:cBhvr>
+                                      <p:tavLst>
+                                        <p:tav tm="0">
+                                          <p:val>
+                                            <p:strVal val="#ppt_h"/>
+                                          </p:val>
+                                        </p:tav>
+                                        <p:tav tm="100000">
+                                          <p:val>
+                                            <p:strVal val="#ppt_h"/>
+                                          </p:val>
+                                        </p:tav>
+                                      </p:tavLst>
+                                    </p:anim>
+                                    <p:animEffect transition="in" filter="fade">
+                                      <p:cBhvr>
+                                        <p:cTn id="9" dur="1000"/>
+                                        <p:tgtEl>
+                                          <p:spTgt spid="8"/>
+                                        </p:tgtEl>
+                                      </p:cBhvr>
+                                    </p:animEffect>
+                                  </p:childTnLst>
+                                </p:cTn>
+                              </p:par>
+                            </p:childTnLst>
+                          </p:cTn>
+                        </p:par>
+                      </p:childTnLst>
+                    </p:cTn>
+                  </p:par>
+                </p:childTnLst>
+              </p:cTn>
+              <p:prevCondLst>
+                <p:cond evt="onPrev" delay="0">
+                  <p:tgtEl>
+                    <p:sldTgt/>
+                  </p:tgtEl>
+                </p:cond>
+              </p:prevCondLst>
+              <p:nextCondLst>
+                <p:cond evt="onNext" delay="0">
+                  <p:tgtEl>
+                    <p:sldTgt/>
+                  </p:tgtEl>
+                </p:cond>
+              </p:nextCondLst>
+            </p:seq>
+          </p:childTnLst>
+        </p:cTn>
+      </p:par>
+    </p:tnLst>
+  </p:timing>
 </p:sld>
 </file>
 
@@ -6905,10 +8838,15 @@
             <a:spLocks noGrp="1"/>
           </p:cNvSpPr>
           <p:nvPr>
-            <p:ph type="title"/>
-          </p:nvPr>
-        </p:nvSpPr>
-        <p:spPr/>
+            <p:ph type="title" idx="4294967295"/>
+          </p:nvPr>
+        </p:nvSpPr>
+        <p:spPr>
+          <a:xfrm>
+            <a:off x="712469" y="-120199"/>
+            <a:ext cx="8229600" cy="1143000"/>
+          </a:xfrm>
+        </p:spPr>
         <p:txBody>
           <a:bodyPr/>
           <a:lstStyle/>
@@ -6921,25 +8859,36 @@
           </a:p>
         </p:txBody>
       </p:sp>
-      <p:sp>
-        <p:nvSpPr>
-          <p:cNvPr id="3" name="Espace réservé du contenu 2"/>
-          <p:cNvSpPr>
-            <a:spLocks noGrp="1"/>
-          </p:cNvSpPr>
-          <p:nvPr>
-            <p:ph idx="1"/>
-          </p:nvPr>
-        </p:nvSpPr>
-        <p:spPr/>
-        <p:txBody>
-          <a:bodyPr/>
-          <a:lstStyle/>
-          <a:p>
-            <a:endParaRPr lang="fr-FR"/>
-          </a:p>
-        </p:txBody>
-      </p:sp>
+      <p:pic>
+        <p:nvPicPr>
+          <p:cNvPr id="6" name="Image 5" descr="CyberCoachDataModel.png"/>
+          <p:cNvPicPr>
+            <a:picLocks noChangeAspect="1"/>
+          </p:cNvPicPr>
+          <p:nvPr/>
+        </p:nvPicPr>
+        <p:blipFill>
+          <a:blip r:embed="rId3">
+            <a:extLst>
+              <a:ext uri="{28A0092B-C50C-407E-A947-70E740481C1C}">
+                <a14:useLocalDpi xmlns:a14="http://schemas.microsoft.com/office/drawing/2010/main" val="0"/>
+              </a:ext>
+            </a:extLst>
+          </a:blip>
+          <a:stretch>
+            <a:fillRect/>
+          </a:stretch>
+        </p:blipFill>
+        <p:spPr>
+          <a:xfrm>
+            <a:off x="573073" y="1515927"/>
+            <a:ext cx="7920412" cy="4928257"/>
+          </a:xfrm>
+          <a:prstGeom prst="rect">
+            <a:avLst/>
+          </a:prstGeom>
+        </p:spPr>
+      </p:pic>
     </p:spTree>
     <p:extLst>
       <p:ext uri="{BB962C8B-B14F-4D97-AF65-F5344CB8AC3E}">
@@ -6950,6 +8899,13 @@
   <p:clrMapOvr>
     <a:masterClrMapping/>
   </p:clrMapOvr>
+  <p:timing>
+    <p:tnLst>
+      <p:par>
+        <p:cTn xmlns:p14="http://schemas.microsoft.com/office/powerpoint/2010/main" id="1" dur="indefinite" restart="never" nodeType="tmRoot"/>
+      </p:par>
+    </p:tnLst>
+  </p:timing>
 </p:sld>
 </file>
 
@@ -7026,7 +8982,19 @@
             </a:r>
             <a:r>
               <a:rPr lang="fr-FR" dirty="0" smtClean="0"/>
-              <a:t> go to </a:t>
+              <a:t> go </a:t>
+            </a:r>
+            <a:r>
+              <a:rPr lang="fr-FR" dirty="0" smtClean="0"/>
+              <a:t>on</a:t>
+            </a:r>
+            <a:r>
+              <a:rPr lang="fr-FR" dirty="0" smtClean="0"/>
+              <a:t> </a:t>
+            </a:r>
+            <a:r>
+              <a:rPr lang="fr-FR" dirty="0" smtClean="0"/>
+              <a:t/>
             </a:r>
             <a:br>
               <a:rPr lang="fr-FR" dirty="0" smtClean="0"/>
@@ -7060,6 +9028,13 @@
   <p:clrMapOvr>
     <a:masterClrMapping/>
   </p:clrMapOvr>
+  <p:timing>
+    <p:tnLst>
+      <p:par>
+        <p:cTn xmlns:p14="http://schemas.microsoft.com/office/powerpoint/2010/main" id="1" dur="indefinite" restart="never" nodeType="tmRoot"/>
+      </p:par>
+    </p:tnLst>
+  </p:timing>
 </p:sld>
 </file>
 
@@ -7117,16 +9092,160 @@
             <p:ph idx="1"/>
           </p:nvPr>
         </p:nvSpPr>
-        <p:spPr/>
-        <p:txBody>
-          <a:bodyPr/>
+        <p:spPr>
+          <a:xfrm>
+            <a:off x="739775" y="2661667"/>
+            <a:ext cx="7662864" cy="3843946"/>
+          </a:xfrm>
+        </p:spPr>
+        <p:txBody>
+          <a:bodyPr>
+            <a:normAutofit fontScale="92500" lnSpcReduction="10000"/>
+          </a:bodyPr>
           <a:lstStyle/>
           <a:p>
             <a:r>
               <a:rPr lang="fr-FR" dirty="0" smtClean="0"/>
-              <a:t>More </a:t>
-            </a:r>
-            <a:endParaRPr lang="fr-FR" dirty="0"/>
+              <a:t>More interaction </a:t>
+            </a:r>
+            <a:r>
+              <a:rPr lang="fr-FR" dirty="0" err="1" smtClean="0"/>
+              <a:t>with</a:t>
+            </a:r>
+            <a:r>
+              <a:rPr lang="fr-FR" dirty="0" smtClean="0"/>
+              <a:t> </a:t>
+            </a:r>
+            <a:r>
+              <a:rPr lang="fr-FR" dirty="0" err="1" smtClean="0"/>
+              <a:t>friends</a:t>
+            </a:r>
+            <a:endParaRPr lang="fr-FR" dirty="0" smtClean="0"/>
+          </a:p>
+          <a:p>
+            <a:pPr lvl="1"/>
+            <a:r>
+              <a:rPr lang="fr-FR" dirty="0" err="1" smtClean="0"/>
+              <a:t>Sending</a:t>
+            </a:r>
+            <a:r>
+              <a:rPr lang="fr-FR" dirty="0" smtClean="0"/>
+              <a:t> invitation</a:t>
+            </a:r>
+          </a:p>
+          <a:p>
+            <a:pPr lvl="1"/>
+            <a:r>
+              <a:rPr lang="fr-FR" dirty="0" err="1" smtClean="0"/>
+              <a:t>Comparing</a:t>
+            </a:r>
+            <a:r>
+              <a:rPr lang="fr-FR" dirty="0" smtClean="0"/>
+              <a:t> scores</a:t>
+            </a:r>
+          </a:p>
+          <a:p>
+            <a:r>
+              <a:rPr lang="fr-FR" dirty="0" smtClean="0"/>
+              <a:t>Dates management</a:t>
+            </a:r>
+          </a:p>
+          <a:p>
+            <a:pPr lvl="1"/>
+            <a:r>
+              <a:rPr lang="fr-FR" dirty="0" smtClean="0"/>
+              <a:t>Help </a:t>
+            </a:r>
+            <a:r>
+              <a:rPr lang="fr-FR" dirty="0" err="1" smtClean="0"/>
+              <a:t>you</a:t>
+            </a:r>
+            <a:r>
+              <a:rPr lang="fr-FR" dirty="0" smtClean="0"/>
+              <a:t> to plan </a:t>
+            </a:r>
+            <a:r>
+              <a:rPr lang="fr-FR" dirty="0" err="1" smtClean="0"/>
+              <a:t>your</a:t>
+            </a:r>
+            <a:r>
+              <a:rPr lang="fr-FR" dirty="0" smtClean="0"/>
+              <a:t> </a:t>
+            </a:r>
+            <a:r>
+              <a:rPr lang="fr-FR" dirty="0" err="1" smtClean="0"/>
+              <a:t>event</a:t>
+            </a:r>
+            <a:endParaRPr lang="fr-FR" dirty="0" smtClean="0"/>
+          </a:p>
+          <a:p>
+            <a:pPr lvl="1"/>
+            <a:r>
+              <a:rPr lang="fr-FR" dirty="0" err="1" smtClean="0"/>
+              <a:t>Doodle</a:t>
+            </a:r>
+            <a:r>
+              <a:rPr lang="fr-FR" dirty="0" smtClean="0"/>
+              <a:t> </a:t>
+            </a:r>
+            <a:r>
+              <a:rPr lang="fr-FR" dirty="0" err="1" smtClean="0"/>
+              <a:t>like</a:t>
+            </a:r>
+            <a:r>
+              <a:rPr lang="fr-FR" dirty="0" smtClean="0"/>
+              <a:t> </a:t>
+            </a:r>
+            <a:r>
+              <a:rPr lang="fr-FR" dirty="0" err="1" smtClean="0"/>
+              <a:t>tool</a:t>
+            </a:r>
+            <a:endParaRPr lang="fr-FR" dirty="0" smtClean="0"/>
+          </a:p>
+          <a:p>
+            <a:r>
+              <a:rPr lang="fr-FR" dirty="0" err="1" smtClean="0"/>
+              <a:t>Geolocation</a:t>
+            </a:r>
+            <a:r>
+              <a:rPr lang="fr-FR" dirty="0"/>
+              <a:t> </a:t>
+            </a:r>
+            <a:r>
+              <a:rPr lang="fr-FR" dirty="0" smtClean="0"/>
+              <a:t>and Facebook </a:t>
+            </a:r>
+            <a:r>
+              <a:rPr lang="fr-FR" dirty="0" err="1" smtClean="0"/>
+              <a:t>integration</a:t>
+            </a:r>
+            <a:endParaRPr lang="fr-FR" dirty="0" smtClean="0"/>
+          </a:p>
+          <a:p>
+            <a:r>
+              <a:rPr lang="fr-FR" dirty="0" err="1" smtClean="0"/>
+              <a:t>Latency</a:t>
+            </a:r>
+            <a:r>
+              <a:rPr lang="fr-FR" dirty="0" smtClean="0"/>
+              <a:t> </a:t>
+            </a:r>
+            <a:r>
+              <a:rPr lang="fr-FR" dirty="0" err="1" smtClean="0"/>
+              <a:t>problems</a:t>
+            </a:r>
+            <a:endParaRPr lang="fr-FR" dirty="0" smtClean="0"/>
+          </a:p>
+          <a:p>
+            <a:pPr lvl="1"/>
+            <a:r>
+              <a:rPr lang="fr-FR" dirty="0" err="1" smtClean="0"/>
+              <a:t>Create</a:t>
+            </a:r>
+            <a:r>
+              <a:rPr lang="fr-FR" dirty="0" smtClean="0"/>
+              <a:t> a cache</a:t>
+            </a:r>
           </a:p>
         </p:txBody>
       </p:sp>
@@ -7140,6 +9259,13 @@
   <p:clrMapOvr>
     <a:masterClrMapping/>
   </p:clrMapOvr>
+  <p:timing>
+    <p:tnLst>
+      <p:par>
+        <p:cTn xmlns:p14="http://schemas.microsoft.com/office/powerpoint/2010/main" id="1" dur="indefinite" restart="never" nodeType="tmRoot"/>
+      </p:par>
+    </p:tnLst>
+  </p:timing>
 </p:sld>
 </file>
 
@@ -7200,26 +9326,28 @@
           </a:xfrm>
         </p:spPr>
         <p:txBody>
-          <a:bodyPr/>
+          <a:bodyPr>
+            <a:normAutofit/>
+          </a:bodyPr>
           <a:lstStyle/>
           <a:p>
             <a:r>
-              <a:rPr lang="fr-FR" dirty="0" err="1" smtClean="0"/>
+              <a:rPr lang="fr-FR" sz="2800" dirty="0" err="1" smtClean="0"/>
               <a:t>Thanks</a:t>
             </a:r>
             <a:r>
-              <a:rPr lang="fr-FR" dirty="0" smtClean="0"/>
+              <a:rPr lang="fr-FR" sz="2800" dirty="0" smtClean="0"/>
               <a:t> for </a:t>
             </a:r>
             <a:r>
-              <a:rPr lang="fr-FR" dirty="0" err="1" smtClean="0"/>
+              <a:rPr lang="fr-FR" sz="2800" dirty="0" err="1" smtClean="0"/>
               <a:t>your</a:t>
             </a:r>
             <a:r>
-              <a:rPr lang="fr-FR" dirty="0" smtClean="0"/>
+              <a:rPr lang="fr-FR" sz="2800" dirty="0" smtClean="0"/>
               <a:t> attention !</a:t>
             </a:r>
-            <a:endParaRPr lang="fr-FR" dirty="0"/>
+            <a:endParaRPr lang="fr-FR" sz="2800" dirty="0"/>
           </a:p>
         </p:txBody>
       </p:sp>
@@ -7233,6 +9361,13 @@
   <p:clrMapOvr>
     <a:masterClrMapping/>
   </p:clrMapOvr>
+  <p:timing>
+    <p:tnLst>
+      <p:par>
+        <p:cTn xmlns:p14="http://schemas.microsoft.com/office/powerpoint/2010/main" id="1" dur="indefinite" restart="never" nodeType="tmRoot"/>
+      </p:par>
+    </p:tnLst>
+  </p:timing>
 </p:sld>
 </file>
 
@@ -7486,4 +9621,324 @@
   </a:objectDefaults>
   <a:extraClrSchemeLst/>
 </a:theme>
+</file>
+
+<file path=ppt/theme/theme2.xml><?xml version="1.0" encoding="utf-8"?>
+<a:theme xmlns:a="http://schemas.openxmlformats.org/drawingml/2006/main" name="Thème Office">
+  <a:themeElements>
+    <a:clrScheme name="Bureau">
+      <a:dk1>
+        <a:sysClr val="windowText" lastClr="000000"/>
+      </a:dk1>
+      <a:lt1>
+        <a:sysClr val="window" lastClr="FFFFFF"/>
+      </a:lt1>
+      <a:dk2>
+        <a:srgbClr val="1F497D"/>
+      </a:dk2>
+      <a:lt2>
+        <a:srgbClr val="EEECE1"/>
+      </a:lt2>
+      <a:accent1>
+        <a:srgbClr val="4F81BD"/>
+      </a:accent1>
+      <a:accent2>
+        <a:srgbClr val="C0504D"/>
+      </a:accent2>
+      <a:accent3>
+        <a:srgbClr val="9BBB59"/>
+      </a:accent3>
+      <a:accent4>
+        <a:srgbClr val="8064A2"/>
+      </a:accent4>
+      <a:accent5>
+        <a:srgbClr val="4BACC6"/>
+      </a:accent5>
+      <a:accent6>
+        <a:srgbClr val="F79646"/>
+      </a:accent6>
+      <a:hlink>
+        <a:srgbClr val="0000FF"/>
+      </a:hlink>
+      <a:folHlink>
+        <a:srgbClr val="800080"/>
+      </a:folHlink>
+    </a:clrScheme>
+    <a:fontScheme name="Bureau">
+      <a:majorFont>
+        <a:latin typeface="Calibri"/>
+        <a:ea typeface=""/>
+        <a:cs typeface=""/>
+        <a:font script="Jpan" typeface="ＭＳ Ｐゴシック"/>
+        <a:font script="Hang" typeface="맑은 고딕"/>
+        <a:font script="Hans" typeface="宋体"/>
+        <a:font script="Hant" typeface="新細明體"/>
+        <a:font script="Arab" typeface="Times New Roman"/>
+        <a:font script="Hebr" typeface="Times New Roman"/>
+        <a:font script="Thai" typeface="Angsana New"/>
+        <a:font script="Ethi" typeface="Nyala"/>
+        <a:font script="Beng" typeface="Vrinda"/>
+        <a:font script="Gujr" typeface="Shruti"/>
+        <a:font script="Khmr" typeface="MoolBoran"/>
+        <a:font script="Knda" typeface="Tunga"/>
+        <a:font script="Guru" typeface="Raavi"/>
+        <a:font script="Cans" typeface="Euphemia"/>
+        <a:font script="Cher" typeface="Plantagenet Cherokee"/>
+        <a:font script="Yiii" typeface="Microsoft Yi Baiti"/>
+        <a:font script="Tibt" typeface="Microsoft Himalaya"/>
+        <a:font script="Thaa" typeface="MV Boli"/>
+        <a:font script="Deva" typeface="Mangal"/>
+        <a:font script="Telu" typeface="Gautami"/>
+        <a:font script="Taml" typeface="Latha"/>
+        <a:font script="Syrc" typeface="Estrangelo Edessa"/>
+        <a:font script="Orya" typeface="Kalinga"/>
+        <a:font script="Mlym" typeface="Kartika"/>
+        <a:font script="Laoo" typeface="DokChampa"/>
+        <a:font script="Sinh" typeface="Iskoola Pota"/>
+        <a:font script="Mong" typeface="Mongolian Baiti"/>
+        <a:font script="Viet" typeface="Times New Roman"/>
+        <a:font script="Uigh" typeface="Microsoft Uighur"/>
+        <a:font script="Geor" typeface="Sylfaen"/>
+      </a:majorFont>
+      <a:minorFont>
+        <a:latin typeface="Calibri"/>
+        <a:ea typeface=""/>
+        <a:cs typeface=""/>
+        <a:font script="Jpan" typeface="ＭＳ Ｐゴシック"/>
+        <a:font script="Hang" typeface="맑은 고딕"/>
+        <a:font script="Hans" typeface="宋体"/>
+        <a:font script="Hant" typeface="新細明體"/>
+        <a:font script="Arab" typeface="Arial"/>
+        <a:font script="Hebr" typeface="Arial"/>
+        <a:font script="Thai" typeface="Cordia New"/>
+        <a:font script="Ethi" typeface="Nyala"/>
+        <a:font script="Beng" typeface="Vrinda"/>
+        <a:font script="Gujr" typeface="Shruti"/>
+        <a:font script="Khmr" typeface="DaunPenh"/>
+        <a:font script="Knda" typeface="Tunga"/>
+        <a:font script="Guru" typeface="Raavi"/>
+        <a:font script="Cans" typeface="Euphemia"/>
+        <a:font script="Cher" typeface="Plantagenet Cherokee"/>
+        <a:font script="Yiii" typeface="Microsoft Yi Baiti"/>
+        <a:font script="Tibt" typeface="Microsoft Himalaya"/>
+        <a:font script="Thaa" typeface="MV Boli"/>
+        <a:font script="Deva" typeface="Mangal"/>
+        <a:font script="Telu" typeface="Gautami"/>
+        <a:font script="Taml" typeface="Latha"/>
+        <a:font script="Syrc" typeface="Estrangelo Edessa"/>
+        <a:font script="Orya" typeface="Kalinga"/>
+        <a:font script="Mlym" typeface="Kartika"/>
+        <a:font script="Laoo" typeface="DokChampa"/>
+        <a:font script="Sinh" typeface="Iskoola Pota"/>
+        <a:font script="Mong" typeface="Mongolian Baiti"/>
+        <a:font script="Viet" typeface="Arial"/>
+        <a:font script="Uigh" typeface="Microsoft Uighur"/>
+        <a:font script="Geor" typeface="Sylfaen"/>
+      </a:minorFont>
+    </a:fontScheme>
+    <a:fmtScheme name="Bureau">
+      <a:fillStyleLst>
+        <a:solidFill>
+          <a:schemeClr val="phClr"/>
+        </a:solidFill>
+        <a:gradFill rotWithShape="1">
+          <a:gsLst>
+            <a:gs pos="0">
+              <a:schemeClr val="phClr">
+                <a:tint val="50000"/>
+                <a:satMod val="300000"/>
+              </a:schemeClr>
+            </a:gs>
+            <a:gs pos="35000">
+              <a:schemeClr val="phClr">
+                <a:tint val="37000"/>
+                <a:satMod val="300000"/>
+              </a:schemeClr>
+            </a:gs>
+            <a:gs pos="100000">
+              <a:schemeClr val="phClr">
+                <a:tint val="15000"/>
+                <a:satMod val="350000"/>
+              </a:schemeClr>
+            </a:gs>
+          </a:gsLst>
+          <a:lin ang="16200000" scaled="1"/>
+        </a:gradFill>
+        <a:gradFill rotWithShape="1">
+          <a:gsLst>
+            <a:gs pos="0">
+              <a:schemeClr val="phClr">
+                <a:tint val="100000"/>
+                <a:shade val="100000"/>
+                <a:satMod val="130000"/>
+              </a:schemeClr>
+            </a:gs>
+            <a:gs pos="100000">
+              <a:schemeClr val="phClr">
+                <a:tint val="50000"/>
+                <a:shade val="100000"/>
+                <a:satMod val="350000"/>
+              </a:schemeClr>
+            </a:gs>
+          </a:gsLst>
+          <a:lin ang="16200000" scaled="0"/>
+        </a:gradFill>
+      </a:fillStyleLst>
+      <a:lnStyleLst>
+        <a:ln w="9525" cap="flat" cmpd="sng" algn="ctr">
+          <a:solidFill>
+            <a:schemeClr val="phClr">
+              <a:shade val="95000"/>
+              <a:satMod val="105000"/>
+            </a:schemeClr>
+          </a:solidFill>
+          <a:prstDash val="solid"/>
+        </a:ln>
+        <a:ln w="25400" cap="flat" cmpd="sng" algn="ctr">
+          <a:solidFill>
+            <a:schemeClr val="phClr"/>
+          </a:solidFill>
+          <a:prstDash val="solid"/>
+        </a:ln>
+        <a:ln w="38100" cap="flat" cmpd="sng" algn="ctr">
+          <a:solidFill>
+            <a:schemeClr val="phClr"/>
+          </a:solidFill>
+          <a:prstDash val="solid"/>
+        </a:ln>
+      </a:lnStyleLst>
+      <a:effectStyleLst>
+        <a:effectStyle>
+          <a:effectLst>
+            <a:outerShdw blurRad="40000" dist="20000" dir="5400000" rotWithShape="0">
+              <a:srgbClr val="000000">
+                <a:alpha val="38000"/>
+              </a:srgbClr>
+            </a:outerShdw>
+          </a:effectLst>
+        </a:effectStyle>
+        <a:effectStyle>
+          <a:effectLst>
+            <a:outerShdw blurRad="40000" dist="23000" dir="5400000" rotWithShape="0">
+              <a:srgbClr val="000000">
+                <a:alpha val="35000"/>
+              </a:srgbClr>
+            </a:outerShdw>
+          </a:effectLst>
+        </a:effectStyle>
+        <a:effectStyle>
+          <a:effectLst>
+            <a:outerShdw blurRad="40000" dist="23000" dir="5400000" rotWithShape="0">
+              <a:srgbClr val="000000">
+                <a:alpha val="35000"/>
+              </a:srgbClr>
+            </a:outerShdw>
+          </a:effectLst>
+          <a:scene3d>
+            <a:camera prst="orthographicFront">
+              <a:rot lat="0" lon="0" rev="0"/>
+            </a:camera>
+            <a:lightRig rig="threePt" dir="t">
+              <a:rot lat="0" lon="0" rev="1200000"/>
+            </a:lightRig>
+          </a:scene3d>
+          <a:sp3d>
+            <a:bevelT w="63500" h="25400"/>
+          </a:sp3d>
+        </a:effectStyle>
+      </a:effectStyleLst>
+      <a:bgFillStyleLst>
+        <a:solidFill>
+          <a:schemeClr val="phClr"/>
+        </a:solidFill>
+        <a:gradFill rotWithShape="1">
+          <a:gsLst>
+            <a:gs pos="0">
+              <a:schemeClr val="phClr">
+                <a:tint val="40000"/>
+                <a:satMod val="350000"/>
+              </a:schemeClr>
+            </a:gs>
+            <a:gs pos="40000">
+              <a:schemeClr val="phClr">
+                <a:tint val="45000"/>
+                <a:shade val="99000"/>
+                <a:satMod val="350000"/>
+              </a:schemeClr>
+            </a:gs>
+            <a:gs pos="100000">
+              <a:schemeClr val="phClr">
+                <a:shade val="20000"/>
+                <a:satMod val="255000"/>
+              </a:schemeClr>
+            </a:gs>
+          </a:gsLst>
+          <a:path path="circle">
+            <a:fillToRect l="50000" t="-80000" r="50000" b="180000"/>
+          </a:path>
+        </a:gradFill>
+        <a:gradFill rotWithShape="1">
+          <a:gsLst>
+            <a:gs pos="0">
+              <a:schemeClr val="phClr">
+                <a:tint val="80000"/>
+                <a:satMod val="300000"/>
+              </a:schemeClr>
+            </a:gs>
+            <a:gs pos="100000">
+              <a:schemeClr val="phClr">
+                <a:shade val="30000"/>
+                <a:satMod val="200000"/>
+              </a:schemeClr>
+            </a:gs>
+          </a:gsLst>
+          <a:path path="circle">
+            <a:fillToRect l="50000" t="50000" r="50000" b="50000"/>
+          </a:path>
+        </a:gradFill>
+      </a:bgFillStyleLst>
+    </a:fmtScheme>
+  </a:themeElements>
+  <a:objectDefaults>
+    <a:spDef>
+      <a:spPr/>
+      <a:bodyPr/>
+      <a:lstStyle/>
+      <a:style>
+        <a:lnRef idx="1">
+          <a:schemeClr val="accent1"/>
+        </a:lnRef>
+        <a:fillRef idx="3">
+          <a:schemeClr val="accent1"/>
+        </a:fillRef>
+        <a:effectRef idx="2">
+          <a:schemeClr val="accent1"/>
+        </a:effectRef>
+        <a:fontRef idx="minor">
+          <a:schemeClr val="lt1"/>
+        </a:fontRef>
+      </a:style>
+    </a:spDef>
+    <a:lnDef>
+      <a:spPr/>
+      <a:bodyPr/>
+      <a:lstStyle/>
+      <a:style>
+        <a:lnRef idx="2">
+          <a:schemeClr val="accent1"/>
+        </a:lnRef>
+        <a:fillRef idx="0">
+          <a:schemeClr val="accent1"/>
+        </a:fillRef>
+        <a:effectRef idx="1">
+          <a:schemeClr val="accent1"/>
+        </a:effectRef>
+        <a:fontRef idx="minor">
+          <a:schemeClr val="tx1"/>
+        </a:fontRef>
+      </a:style>
+    </a:lnDef>
+  </a:objectDefaults>
+  <a:extraClrSchemeLst/>
+</a:theme>
 </file>